--- a/Sure_Ahmed_Samir_GQL_Tut.pptx
+++ b/Sure_Ahmed_Samir_GQL_Tut.pptx
@@ -5,7 +5,7 @@
     <p:sldMasterId id="2147483648" r:id="rId1"/>
   </p:sldMasterIdLst>
   <p:notesMasterIdLst>
-    <p:notesMasterId r:id="rId22"/>
+    <p:notesMasterId r:id="rId23"/>
   </p:notesMasterIdLst>
   <p:sldIdLst>
     <p:sldId id="256" r:id="rId2"/>
@@ -28,6 +28,7 @@
     <p:sldId id="272" r:id="rId19"/>
     <p:sldId id="274" r:id="rId20"/>
     <p:sldId id="275" r:id="rId21"/>
+    <p:sldId id="276" r:id="rId22"/>
   </p:sldIdLst>
   <p:sldSz cx="12192000" cy="6858000"/>
   <p:notesSz cx="6858000" cy="9144000"/>
@@ -216,7 +217,7 @@
           <a:p>
             <a:fld id="{40E5F44E-6249-4E81-AC40-347B8931640D}" type="datetimeFigureOut">
               <a:rPr lang="en-US" smtClean="0"/>
-              <a:t>7/18/2022</a:t>
+              <a:t>7/19/2022</a:t>
             </a:fld>
             <a:endParaRPr lang="en-US"/>
           </a:p>
@@ -699,7 +700,7 @@
           <a:p>
             <a:fld id="{208FA2B7-0B11-4137-BC5E-6BB985399255}" type="datetimeFigureOut">
               <a:rPr lang="en-US" smtClean="0"/>
-              <a:t>7/18/2022</a:t>
+              <a:t>7/19/2022</a:t>
             </a:fld>
             <a:endParaRPr lang="en-US"/>
           </a:p>
@@ -869,7 +870,7 @@
           <a:p>
             <a:fld id="{208FA2B7-0B11-4137-BC5E-6BB985399255}" type="datetimeFigureOut">
               <a:rPr lang="en-US" smtClean="0"/>
-              <a:t>7/18/2022</a:t>
+              <a:t>7/19/2022</a:t>
             </a:fld>
             <a:endParaRPr lang="en-US"/>
           </a:p>
@@ -1049,7 +1050,7 @@
           <a:p>
             <a:fld id="{208FA2B7-0B11-4137-BC5E-6BB985399255}" type="datetimeFigureOut">
               <a:rPr lang="en-US" smtClean="0"/>
-              <a:t>7/18/2022</a:t>
+              <a:t>7/19/2022</a:t>
             </a:fld>
             <a:endParaRPr lang="en-US"/>
           </a:p>
@@ -1249,7 +1250,7 @@
           <a:p>
             <a:fld id="{208FA2B7-0B11-4137-BC5E-6BB985399255}" type="datetimeFigureOut">
               <a:rPr lang="en-US" smtClean="0"/>
-              <a:t>7/18/2022</a:t>
+              <a:t>7/19/2022</a:t>
             </a:fld>
             <a:endParaRPr lang="en-US"/>
           </a:p>
@@ -1495,7 +1496,7 @@
           <a:p>
             <a:fld id="{208FA2B7-0B11-4137-BC5E-6BB985399255}" type="datetimeFigureOut">
               <a:rPr lang="en-US" smtClean="0"/>
-              <a:t>7/18/2022</a:t>
+              <a:t>7/19/2022</a:t>
             </a:fld>
             <a:endParaRPr lang="en-US"/>
           </a:p>
@@ -1727,7 +1728,7 @@
           <a:p>
             <a:fld id="{208FA2B7-0B11-4137-BC5E-6BB985399255}" type="datetimeFigureOut">
               <a:rPr lang="en-US" smtClean="0"/>
-              <a:t>7/18/2022</a:t>
+              <a:t>7/19/2022</a:t>
             </a:fld>
             <a:endParaRPr lang="en-US"/>
           </a:p>
@@ -2094,7 +2095,7 @@
           <a:p>
             <a:fld id="{208FA2B7-0B11-4137-BC5E-6BB985399255}" type="datetimeFigureOut">
               <a:rPr lang="en-US" smtClean="0"/>
-              <a:t>7/18/2022</a:t>
+              <a:t>7/19/2022</a:t>
             </a:fld>
             <a:endParaRPr lang="en-US"/>
           </a:p>
@@ -2212,7 +2213,7 @@
           <a:p>
             <a:fld id="{208FA2B7-0B11-4137-BC5E-6BB985399255}" type="datetimeFigureOut">
               <a:rPr lang="en-US" smtClean="0"/>
-              <a:t>7/18/2022</a:t>
+              <a:t>7/19/2022</a:t>
             </a:fld>
             <a:endParaRPr lang="en-US"/>
           </a:p>
@@ -2307,7 +2308,7 @@
           <a:p>
             <a:fld id="{208FA2B7-0B11-4137-BC5E-6BB985399255}" type="datetimeFigureOut">
               <a:rPr lang="en-US" smtClean="0"/>
-              <a:t>7/18/2022</a:t>
+              <a:t>7/19/2022</a:t>
             </a:fld>
             <a:endParaRPr lang="en-US"/>
           </a:p>
@@ -2584,7 +2585,7 @@
           <a:p>
             <a:fld id="{208FA2B7-0B11-4137-BC5E-6BB985399255}" type="datetimeFigureOut">
               <a:rPr lang="en-US" smtClean="0"/>
-              <a:t>7/18/2022</a:t>
+              <a:t>7/19/2022</a:t>
             </a:fld>
             <a:endParaRPr lang="en-US"/>
           </a:p>
@@ -2837,7 +2838,7 @@
           <a:p>
             <a:fld id="{208FA2B7-0B11-4137-BC5E-6BB985399255}" type="datetimeFigureOut">
               <a:rPr lang="en-US" smtClean="0"/>
-              <a:t>7/18/2022</a:t>
+              <a:t>7/19/2022</a:t>
             </a:fld>
             <a:endParaRPr lang="en-US"/>
           </a:p>
@@ -3050,7 +3051,7 @@
           <a:p>
             <a:fld id="{208FA2B7-0B11-4137-BC5E-6BB985399255}" type="datetimeFigureOut">
               <a:rPr lang="en-US" smtClean="0"/>
-              <a:t>7/18/2022</a:t>
+              <a:t>7/19/2022</a:t>
             </a:fld>
             <a:endParaRPr lang="en-US"/>
           </a:p>
@@ -4138,7 +4139,6 @@
               <a:rPr lang="en-US" sz="2000" dirty="0" smtClean="0"/>
               <a:t>are for life communications and pushing real-time notifications </a:t>
             </a:r>
-            <a:endParaRPr lang="en-US" sz="2000" dirty="0" smtClean="0"/>
           </a:p>
           <a:p>
             <a:r>
@@ -5601,7 +5601,6 @@
               <a:rPr lang="en-US" dirty="0"/>
               <a:t> 💪</a:t>
             </a:r>
-            <a:endParaRPr lang="en-US" dirty="0"/>
           </a:p>
         </p:txBody>
       </p:sp>
@@ -5660,24 +5659,8 @@
               <a:t>And also the power of </a:t>
             </a:r>
             <a:r>
-              <a:rPr lang="en-US" sz="1000" b="1" dirty="0" err="1" smtClean="0"/>
-              <a:t>grqph</a:t>
-            </a:r>
-            <a:r>
               <a:rPr lang="en-US" sz="1000" b="1" dirty="0" smtClean="0"/>
-              <a:t> </a:t>
-            </a:r>
-            <a:r>
-              <a:rPr lang="en-US" sz="1000" b="1" dirty="0" err="1" smtClean="0"/>
-              <a:t>ql</a:t>
-            </a:r>
-            <a:r>
-              <a:rPr lang="en-US" sz="1000" b="1" dirty="0"/>
-              <a:t> </a:t>
-            </a:r>
-            <a:r>
-              <a:rPr lang="en-US" sz="1000" b="1" dirty="0" smtClean="0"/>
-              <a:t> </a:t>
+              <a:t>graph QL  </a:t>
             </a:r>
             <a:r>
               <a:rPr lang="en-US" sz="1000" b="1" dirty="0" smtClean="0"/>
@@ -7100,7 +7083,104 @@
         </p:nvSpPr>
         <p:spPr>
           <a:xfrm>
-            <a:off x="2968303" y="1250319"/>
+            <a:off x="2466363" y="1194783"/>
+            <a:ext cx="2860645" cy="240096"/>
+          </a:xfrm>
+          <a:prstGeom prst="rect">
+            <a:avLst/>
+          </a:prstGeom>
+          <a:solidFill>
+            <a:schemeClr val="bg1"/>
+          </a:solidFill>
+          <a:ln>
+            <a:solidFill>
+              <a:srgbClr val="FF0000"/>
+            </a:solidFill>
+          </a:ln>
+        </p:spPr>
+        <p:style>
+          <a:lnRef idx="2">
+            <a:schemeClr val="accent2"/>
+          </a:lnRef>
+          <a:fillRef idx="1">
+            <a:schemeClr val="lt1"/>
+          </a:fillRef>
+          <a:effectRef idx="0">
+            <a:schemeClr val="accent2"/>
+          </a:effectRef>
+          <a:fontRef idx="minor">
+            <a:schemeClr val="dk1"/>
+          </a:fontRef>
+        </p:style>
+        <p:txBody>
+          <a:bodyPr rtlCol="0" anchor="ctr"/>
+          <a:lstStyle/>
+          <a:p>
+            <a:pPr algn="ctr"/>
+            <a:r>
+              <a:rPr lang="en-US" sz="1100" b="1" dirty="0" smtClean="0"/>
+              <a:t>Type ** from </a:t>
+            </a:r>
+            <a:r>
+              <a:rPr lang="en-US" sz="1100" b="1" dirty="0" smtClean="0"/>
+              <a:t>Convention </a:t>
+            </a:r>
+            <a:r>
+              <a:rPr lang="en-US" sz="1100" b="1" dirty="0" err="1" smtClean="0"/>
+              <a:t>IEmunerable</a:t>
+            </a:r>
+            <a:r>
+              <a:rPr lang="en-US" sz="1100" b="1" dirty="0" smtClean="0"/>
+              <a:t>&lt;Type&gt;</a:t>
+            </a:r>
+            <a:endParaRPr lang="en-US" sz="1100" b="1" dirty="0"/>
+          </a:p>
+        </p:txBody>
+      </p:sp>
+      <p:cxnSp>
+        <p:nvCxnSpPr>
+          <p:cNvPr id="15" name="Straight Arrow Connector 14"/>
+          <p:cNvCxnSpPr>
+            <a:stCxn id="12" idx="1"/>
+          </p:cNvCxnSpPr>
+          <p:nvPr/>
+        </p:nvCxnSpPr>
+        <p:spPr>
+          <a:xfrm flipH="1">
+            <a:off x="1593907" y="1314831"/>
+            <a:ext cx="872456" cy="253910"/>
+          </a:xfrm>
+          <a:prstGeom prst="straightConnector1">
+            <a:avLst/>
+          </a:prstGeom>
+          <a:ln>
+            <a:tailEnd type="triangle"/>
+          </a:ln>
+        </p:spPr>
+        <p:style>
+          <a:lnRef idx="1">
+            <a:schemeClr val="accent1"/>
+          </a:lnRef>
+          <a:fillRef idx="0">
+            <a:schemeClr val="accent1"/>
+          </a:fillRef>
+          <a:effectRef idx="0">
+            <a:schemeClr val="accent1"/>
+          </a:effectRef>
+          <a:fontRef idx="minor">
+            <a:schemeClr val="tx1"/>
+          </a:fontRef>
+        </p:style>
+      </p:cxnSp>
+      <p:sp>
+        <p:nvSpPr>
+          <p:cNvPr id="20" name="Rectangle 19"/>
+          <p:cNvSpPr/>
+          <p:nvPr/>
+        </p:nvSpPr>
+        <p:spPr>
+          <a:xfrm>
+            <a:off x="5711502" y="1173919"/>
             <a:ext cx="2290894" cy="184559"/>
           </a:xfrm>
           <a:prstGeom prst="rect">
@@ -7136,91 +7216,6 @@
             <a:pPr algn="ctr"/>
             <a:r>
               <a:rPr lang="en-US" sz="1100" b="1" dirty="0" smtClean="0"/>
-              <a:t>Type ** from Convention GETXXX</a:t>
-            </a:r>
-            <a:endParaRPr lang="en-US" sz="1100" b="1" dirty="0"/>
-          </a:p>
-        </p:txBody>
-      </p:sp>
-      <p:cxnSp>
-        <p:nvCxnSpPr>
-          <p:cNvPr id="15" name="Straight Arrow Connector 14"/>
-          <p:cNvCxnSpPr>
-            <a:stCxn id="12" idx="1"/>
-          </p:cNvCxnSpPr>
-          <p:nvPr/>
-        </p:nvCxnSpPr>
-        <p:spPr>
-          <a:xfrm flipH="1">
-            <a:off x="1593907" y="1342599"/>
-            <a:ext cx="1374396" cy="218114"/>
-          </a:xfrm>
-          <a:prstGeom prst="straightConnector1">
-            <a:avLst/>
-          </a:prstGeom>
-          <a:ln>
-            <a:tailEnd type="triangle"/>
-          </a:ln>
-        </p:spPr>
-        <p:style>
-          <a:lnRef idx="1">
-            <a:schemeClr val="accent1"/>
-          </a:lnRef>
-          <a:fillRef idx="0">
-            <a:schemeClr val="accent1"/>
-          </a:fillRef>
-          <a:effectRef idx="0">
-            <a:schemeClr val="accent1"/>
-          </a:effectRef>
-          <a:fontRef idx="minor">
-            <a:schemeClr val="tx1"/>
-          </a:fontRef>
-        </p:style>
-      </p:cxnSp>
-      <p:sp>
-        <p:nvSpPr>
-          <p:cNvPr id="20" name="Rectangle 19"/>
-          <p:cNvSpPr/>
-          <p:nvPr/>
-        </p:nvSpPr>
-        <p:spPr>
-          <a:xfrm>
-            <a:off x="5501777" y="1123585"/>
-            <a:ext cx="2290894" cy="184559"/>
-          </a:xfrm>
-          <a:prstGeom prst="rect">
-            <a:avLst/>
-          </a:prstGeom>
-          <a:solidFill>
-            <a:schemeClr val="bg1"/>
-          </a:solidFill>
-          <a:ln>
-            <a:solidFill>
-              <a:srgbClr val="FF0000"/>
-            </a:solidFill>
-          </a:ln>
-        </p:spPr>
-        <p:style>
-          <a:lnRef idx="2">
-            <a:schemeClr val="accent2"/>
-          </a:lnRef>
-          <a:fillRef idx="1">
-            <a:schemeClr val="lt1"/>
-          </a:fillRef>
-          <a:effectRef idx="0">
-            <a:schemeClr val="accent2"/>
-          </a:effectRef>
-          <a:fontRef idx="minor">
-            <a:schemeClr val="dk1"/>
-          </a:fontRef>
-        </p:style>
-        <p:txBody>
-          <a:bodyPr rtlCol="0" anchor="ctr"/>
-          <a:lstStyle/>
-          <a:p>
-            <a:pPr algn="ctr"/>
-            <a:r>
-              <a:rPr lang="en-US" sz="1100" b="1" dirty="0" smtClean="0"/>
               <a:t>Query Filters </a:t>
             </a:r>
             <a:endParaRPr lang="en-US" sz="1100" b="1" dirty="0"/>
@@ -7235,7 +7230,7 @@
         </p:nvSpPr>
         <p:spPr>
           <a:xfrm rot="5400000">
-            <a:off x="5586702" y="-2310865"/>
+            <a:off x="5720926" y="-2252142"/>
             <a:ext cx="177486" cy="7440450"/>
           </a:xfrm>
           <a:prstGeom prst="leftBrace">
@@ -7430,7 +7425,7 @@
             </a:r>
             <a:r>
               <a:rPr lang="en-US" dirty="0" err="1" smtClean="0"/>
-              <a:t>Meddelewares</a:t>
+              <a:t>Middlewares</a:t>
             </a:r>
             <a:r>
               <a:rPr lang="en-US" dirty="0" smtClean="0"/>
@@ -8318,7 +8313,6 @@
               <a:rPr lang="en-US" sz="1400" dirty="0"/>
               <a:t>");</a:t>
             </a:r>
-            <a:endParaRPr lang="en-US" sz="1400" dirty="0"/>
           </a:p>
           <a:p>
             <a:r>
@@ -8383,7 +8377,6 @@
               <a:rPr lang="en-US" sz="1400" dirty="0"/>
               <a:t>        }</a:t>
             </a:r>
-            <a:endParaRPr lang="en-US" sz="1400" dirty="0"/>
           </a:p>
         </p:txBody>
       </p:sp>
@@ -8720,6 +8713,117 @@
     <p:extLst>
       <p:ext uri="{BB962C8B-B14F-4D97-AF65-F5344CB8AC3E}">
         <p14:creationId xmlns:p14="http://schemas.microsoft.com/office/powerpoint/2010/main" val="843185869"/>
+      </p:ext>
+    </p:extLst>
+  </p:cSld>
+  <p:clrMapOvr>
+    <a:masterClrMapping/>
+  </p:clrMapOvr>
+</p:sld>
+</file>
+
+<file path=ppt/slides/slide21.xml><?xml version="1.0" encoding="utf-8"?>
+<p:sld xmlns:a="http://schemas.openxmlformats.org/drawingml/2006/main" xmlns:r="http://schemas.openxmlformats.org/officeDocument/2006/relationships" xmlns:p="http://schemas.openxmlformats.org/presentationml/2006/main">
+  <p:cSld>
+    <p:spTree>
+      <p:nvGrpSpPr>
+        <p:cNvPr id="1" name=""/>
+        <p:cNvGrpSpPr/>
+        <p:nvPr/>
+      </p:nvGrpSpPr>
+      <p:grpSpPr>
+        <a:xfrm>
+          <a:off x="0" y="0"/>
+          <a:ext cx="0" cy="0"/>
+          <a:chOff x="0" y="0"/>
+          <a:chExt cx="0" cy="0"/>
+        </a:xfrm>
+      </p:grpSpPr>
+      <p:sp>
+        <p:nvSpPr>
+          <p:cNvPr id="2" name="Title 1"/>
+          <p:cNvSpPr>
+            <a:spLocks noGrp="1"/>
+          </p:cNvSpPr>
+          <p:nvPr>
+            <p:ph type="title"/>
+          </p:nvPr>
+        </p:nvSpPr>
+        <p:spPr/>
+        <p:txBody>
+          <a:bodyPr/>
+          <a:lstStyle/>
+          <a:p>
+            <a:r>
+              <a:rPr lang="en-US" dirty="0" smtClean="0"/>
+              <a:t>References :</a:t>
+            </a:r>
+            <a:endParaRPr lang="en-US" dirty="0"/>
+          </a:p>
+        </p:txBody>
+      </p:sp>
+      <p:sp>
+        <p:nvSpPr>
+          <p:cNvPr id="3" name="Content Placeholder 2"/>
+          <p:cNvSpPr>
+            <a:spLocks noGrp="1"/>
+          </p:cNvSpPr>
+          <p:nvPr>
+            <p:ph idx="1"/>
+          </p:nvPr>
+        </p:nvSpPr>
+        <p:spPr/>
+        <p:txBody>
+          <a:bodyPr/>
+          <a:lstStyle/>
+          <a:p>
+            <a:r>
+              <a:rPr lang="en-US" dirty="0">
+                <a:hlinkClick r:id="rId2"/>
+              </a:rPr>
+              <a:t>https://</a:t>
+            </a:r>
+            <a:r>
+              <a:rPr lang="en-US" dirty="0" smtClean="0">
+                <a:hlinkClick r:id="rId2"/>
+              </a:rPr>
+              <a:t>chillicream.com/docs</a:t>
+            </a:r>
+            <a:endParaRPr lang="en-US" dirty="0" smtClean="0"/>
+          </a:p>
+          <a:p>
+            <a:r>
+              <a:rPr lang="en-US" dirty="0">
+                <a:hlinkClick r:id="rId3"/>
+              </a:rPr>
+              <a:t>https://</a:t>
+            </a:r>
+            <a:r>
+              <a:rPr lang="en-US" dirty="0" smtClean="0">
+                <a:hlinkClick r:id="rId3"/>
+              </a:rPr>
+              <a:t>graphql.org/learn</a:t>
+            </a:r>
+            <a:endParaRPr lang="en-US" dirty="0" smtClean="0"/>
+          </a:p>
+          <a:p>
+            <a:r>
+              <a:rPr lang="en-US" dirty="0" smtClean="0"/>
+              <a:t>Repo :</a:t>
+            </a:r>
+          </a:p>
+          <a:p>
+            <a:r>
+              <a:rPr lang="en-US" dirty="0"/>
+              <a:t>https://github.com/ahmedsure/sure_tut_gql.git</a:t>
+            </a:r>
+          </a:p>
+        </p:txBody>
+      </p:sp>
+    </p:spTree>
+    <p:extLst>
+      <p:ext uri="{BB962C8B-B14F-4D97-AF65-F5344CB8AC3E}">
+        <p14:creationId xmlns:p14="http://schemas.microsoft.com/office/powerpoint/2010/main" val="3879502274"/>
       </p:ext>
     </p:extLst>
   </p:cSld>

--- a/Sure_Ahmed_Samir_GQL_Tut.pptx
+++ b/Sure_Ahmed_Samir_GQL_Tut.pptx
@@ -5,7 +5,7 @@
     <p:sldMasterId id="2147483648" r:id="rId1"/>
   </p:sldMasterIdLst>
   <p:notesMasterIdLst>
-    <p:notesMasterId r:id="rId23"/>
+    <p:notesMasterId r:id="rId25"/>
   </p:notesMasterIdLst>
   <p:sldIdLst>
     <p:sldId id="256" r:id="rId2"/>
@@ -28,7 +28,9 @@
     <p:sldId id="272" r:id="rId19"/>
     <p:sldId id="274" r:id="rId20"/>
     <p:sldId id="275" r:id="rId21"/>
-    <p:sldId id="276" r:id="rId22"/>
+    <p:sldId id="277" r:id="rId22"/>
+    <p:sldId id="278" r:id="rId23"/>
+    <p:sldId id="276" r:id="rId24"/>
   </p:sldIdLst>
   <p:sldSz cx="12192000" cy="6858000"/>
   <p:notesSz cx="6858000" cy="9144000"/>
@@ -217,7 +219,7 @@
           <a:p>
             <a:fld id="{40E5F44E-6249-4E81-AC40-347B8931640D}" type="datetimeFigureOut">
               <a:rPr lang="en-US" smtClean="0"/>
-              <a:t>7/19/2022</a:t>
+              <a:t>7/20/2022</a:t>
             </a:fld>
             <a:endParaRPr lang="en-US"/>
           </a:p>
@@ -700,7 +702,7 @@
           <a:p>
             <a:fld id="{208FA2B7-0B11-4137-BC5E-6BB985399255}" type="datetimeFigureOut">
               <a:rPr lang="en-US" smtClean="0"/>
-              <a:t>7/19/2022</a:t>
+              <a:t>7/20/2022</a:t>
             </a:fld>
             <a:endParaRPr lang="en-US"/>
           </a:p>
@@ -870,7 +872,7 @@
           <a:p>
             <a:fld id="{208FA2B7-0B11-4137-BC5E-6BB985399255}" type="datetimeFigureOut">
               <a:rPr lang="en-US" smtClean="0"/>
-              <a:t>7/19/2022</a:t>
+              <a:t>7/20/2022</a:t>
             </a:fld>
             <a:endParaRPr lang="en-US"/>
           </a:p>
@@ -1050,7 +1052,7 @@
           <a:p>
             <a:fld id="{208FA2B7-0B11-4137-BC5E-6BB985399255}" type="datetimeFigureOut">
               <a:rPr lang="en-US" smtClean="0"/>
-              <a:t>7/19/2022</a:t>
+              <a:t>7/20/2022</a:t>
             </a:fld>
             <a:endParaRPr lang="en-US"/>
           </a:p>
@@ -1250,7 +1252,7 @@
           <a:p>
             <a:fld id="{208FA2B7-0B11-4137-BC5E-6BB985399255}" type="datetimeFigureOut">
               <a:rPr lang="en-US" smtClean="0"/>
-              <a:t>7/19/2022</a:t>
+              <a:t>7/20/2022</a:t>
             </a:fld>
             <a:endParaRPr lang="en-US"/>
           </a:p>
@@ -1496,7 +1498,7 @@
           <a:p>
             <a:fld id="{208FA2B7-0B11-4137-BC5E-6BB985399255}" type="datetimeFigureOut">
               <a:rPr lang="en-US" smtClean="0"/>
-              <a:t>7/19/2022</a:t>
+              <a:t>7/20/2022</a:t>
             </a:fld>
             <a:endParaRPr lang="en-US"/>
           </a:p>
@@ -1728,7 +1730,7 @@
           <a:p>
             <a:fld id="{208FA2B7-0B11-4137-BC5E-6BB985399255}" type="datetimeFigureOut">
               <a:rPr lang="en-US" smtClean="0"/>
-              <a:t>7/19/2022</a:t>
+              <a:t>7/20/2022</a:t>
             </a:fld>
             <a:endParaRPr lang="en-US"/>
           </a:p>
@@ -2095,7 +2097,7 @@
           <a:p>
             <a:fld id="{208FA2B7-0B11-4137-BC5E-6BB985399255}" type="datetimeFigureOut">
               <a:rPr lang="en-US" smtClean="0"/>
-              <a:t>7/19/2022</a:t>
+              <a:t>7/20/2022</a:t>
             </a:fld>
             <a:endParaRPr lang="en-US"/>
           </a:p>
@@ -2213,7 +2215,7 @@
           <a:p>
             <a:fld id="{208FA2B7-0B11-4137-BC5E-6BB985399255}" type="datetimeFigureOut">
               <a:rPr lang="en-US" smtClean="0"/>
-              <a:t>7/19/2022</a:t>
+              <a:t>7/20/2022</a:t>
             </a:fld>
             <a:endParaRPr lang="en-US"/>
           </a:p>
@@ -2308,7 +2310,7 @@
           <a:p>
             <a:fld id="{208FA2B7-0B11-4137-BC5E-6BB985399255}" type="datetimeFigureOut">
               <a:rPr lang="en-US" smtClean="0"/>
-              <a:t>7/19/2022</a:t>
+              <a:t>7/20/2022</a:t>
             </a:fld>
             <a:endParaRPr lang="en-US"/>
           </a:p>
@@ -2585,7 +2587,7 @@
           <a:p>
             <a:fld id="{208FA2B7-0B11-4137-BC5E-6BB985399255}" type="datetimeFigureOut">
               <a:rPr lang="en-US" smtClean="0"/>
-              <a:t>7/19/2022</a:t>
+              <a:t>7/20/2022</a:t>
             </a:fld>
             <a:endParaRPr lang="en-US"/>
           </a:p>
@@ -2838,7 +2840,7 @@
           <a:p>
             <a:fld id="{208FA2B7-0B11-4137-BC5E-6BB985399255}" type="datetimeFigureOut">
               <a:rPr lang="en-US" smtClean="0"/>
-              <a:t>7/19/2022</a:t>
+              <a:t>7/20/2022</a:t>
             </a:fld>
             <a:endParaRPr lang="en-US"/>
           </a:p>
@@ -3051,7 +3053,7 @@
           <a:p>
             <a:fld id="{208FA2B7-0B11-4137-BC5E-6BB985399255}" type="datetimeFigureOut">
               <a:rPr lang="en-US" smtClean="0"/>
-              <a:t>7/19/2022</a:t>
+              <a:t>7/20/2022</a:t>
             </a:fld>
             <a:endParaRPr lang="en-US"/>
           </a:p>
@@ -4777,7 +4779,15 @@
           <a:p>
             <a:r>
               <a:rPr lang="en-US" dirty="0" smtClean="0"/>
-              <a:t>Resolvers   :</a:t>
+              <a:t>Resolvers  </a:t>
+            </a:r>
+            <a:r>
+              <a:rPr lang="en-US" dirty="0" smtClean="0"/>
+              <a:t>and data loaders </a:t>
+            </a:r>
+            <a:r>
+              <a:rPr lang="en-US" dirty="0" smtClean="0"/>
+              <a:t>:</a:t>
             </a:r>
           </a:p>
           <a:p>
@@ -5482,15 +5492,7 @@
             </a:r>
             <a:r>
               <a:rPr lang="en-US" sz="1200" dirty="0"/>
-              <a:t>("/", </a:t>
-            </a:r>
-            <a:r>
-              <a:rPr lang="en-US" sz="1200" dirty="0" err="1"/>
-              <a:t>async</a:t>
-            </a:r>
-            <a:r>
-              <a:rPr lang="en-US" sz="1200" dirty="0"/>
-              <a:t> context =&gt;</a:t>
+              <a:t>("/", async context =&gt;</a:t>
             </a:r>
           </a:p>
           <a:p>
@@ -5656,15 +5658,7 @@
           <a:p>
             <a:r>
               <a:rPr lang="en-US" sz="1000" b="1" dirty="0" smtClean="0"/>
-              <a:t>And also the power of </a:t>
-            </a:r>
-            <a:r>
-              <a:rPr lang="en-US" sz="1000" b="1" dirty="0" smtClean="0"/>
-              <a:t>graph QL  </a:t>
-            </a:r>
-            <a:r>
-              <a:rPr lang="en-US" sz="1000" b="1" dirty="0" smtClean="0"/>
-              <a:t>queries the nested graph selections </a:t>
+              <a:t>And also the power of graph QL  queries the nested graph selections </a:t>
             </a:r>
           </a:p>
           <a:p>
@@ -7119,11 +7113,7 @@
             <a:pPr algn="ctr"/>
             <a:r>
               <a:rPr lang="en-US" sz="1100" b="1" dirty="0" smtClean="0"/>
-              <a:t>Type ** from </a:t>
-            </a:r>
-            <a:r>
-              <a:rPr lang="en-US" sz="1100" b="1" dirty="0" smtClean="0"/>
-              <a:t>Convention </a:t>
+              <a:t>Type ** from Convention </a:t>
             </a:r>
             <a:r>
               <a:rPr lang="en-US" sz="1100" b="1" dirty="0" err="1" smtClean="0"/>
@@ -8664,7 +8654,15 @@
           <a:p>
             <a:r>
               <a:rPr lang="en-US" dirty="0" smtClean="0"/>
-              <a:t>Mutation Time   </a:t>
+              <a:t>Mutation Time  and types </a:t>
+            </a:r>
+            <a:r>
+              <a:rPr lang="en-US" dirty="0" err="1" smtClean="0"/>
+              <a:t>extention</a:t>
+            </a:r>
+            <a:r>
+              <a:rPr lang="en-US" dirty="0" smtClean="0"/>
+              <a:t>  </a:t>
             </a:r>
             <a:endParaRPr lang="en-US" dirty="0"/>
           </a:p>
@@ -8704,6 +8702,65 @@
             <a:r>
               <a:rPr lang="en-US" dirty="0" smtClean="0"/>
               <a:t>&gt;()</a:t>
+            </a:r>
+          </a:p>
+          <a:p>
+            <a:endParaRPr lang="en-US" dirty="0"/>
+          </a:p>
+          <a:p>
+            <a:r>
+              <a:rPr lang="en-US" dirty="0" smtClean="0"/>
+              <a:t>* Note Type </a:t>
+            </a:r>
+            <a:r>
+              <a:rPr lang="en-US" dirty="0" err="1" smtClean="0"/>
+              <a:t>Extentions</a:t>
+            </a:r>
+            <a:r>
+              <a:rPr lang="en-US" dirty="0" smtClean="0"/>
+              <a:t> </a:t>
+            </a:r>
+          </a:p>
+          <a:p>
+            <a:r>
+              <a:rPr lang="en-US" dirty="0" smtClean="0"/>
+              <a:t>We can extending types (Query Type Or Mutation Type By )</a:t>
+            </a:r>
+          </a:p>
+          <a:p>
+            <a:r>
+              <a:rPr lang="en-US" dirty="0"/>
+              <a:t>[</a:t>
+            </a:r>
+            <a:r>
+              <a:rPr lang="en-US" dirty="0" err="1"/>
+              <a:t>ExtendObjectType</a:t>
+            </a:r>
+            <a:r>
+              <a:rPr lang="en-US" dirty="0"/>
+              <a:t>(</a:t>
+            </a:r>
+            <a:r>
+              <a:rPr lang="en-US" dirty="0" err="1"/>
+              <a:t>typeof</a:t>
+            </a:r>
+            <a:r>
+              <a:rPr lang="en-US" dirty="0"/>
+              <a:t>(</a:t>
+            </a:r>
+            <a:r>
+              <a:rPr lang="en-US" dirty="0" err="1"/>
+              <a:t>GQLQuery</a:t>
+            </a:r>
+            <a:r>
+              <a:rPr lang="en-US" dirty="0" smtClean="0"/>
+              <a:t>))] attribute </a:t>
+            </a:r>
+          </a:p>
+          <a:p>
+            <a:r>
+              <a:rPr lang="en-US" dirty="0" smtClean="0"/>
+              <a:t>But partial classes is doing the job </a:t>
             </a:r>
             <a:endParaRPr lang="en-US" dirty="0"/>
           </a:p>
@@ -8723,6 +8780,257 @@
 </file>
 
 <file path=ppt/slides/slide21.xml><?xml version="1.0" encoding="utf-8"?>
+<p:sld xmlns:a="http://schemas.openxmlformats.org/drawingml/2006/main" xmlns:r="http://schemas.openxmlformats.org/officeDocument/2006/relationships" xmlns:p="http://schemas.openxmlformats.org/presentationml/2006/main">
+  <p:cSld>
+    <p:spTree>
+      <p:nvGrpSpPr>
+        <p:cNvPr id="1" name=""/>
+        <p:cNvGrpSpPr/>
+        <p:nvPr/>
+      </p:nvGrpSpPr>
+      <p:grpSpPr>
+        <a:xfrm>
+          <a:off x="0" y="0"/>
+          <a:ext cx="0" cy="0"/>
+          <a:chOff x="0" y="0"/>
+          <a:chExt cx="0" cy="0"/>
+        </a:xfrm>
+      </p:grpSpPr>
+      <p:sp>
+        <p:nvSpPr>
+          <p:cNvPr id="2" name="Title 1"/>
+          <p:cNvSpPr>
+            <a:spLocks noGrp="1"/>
+          </p:cNvSpPr>
+          <p:nvPr>
+            <p:ph type="title"/>
+          </p:nvPr>
+        </p:nvSpPr>
+        <p:spPr/>
+        <p:txBody>
+          <a:bodyPr/>
+          <a:lstStyle/>
+          <a:p>
+            <a:r>
+              <a:rPr lang="en-US" dirty="0" smtClean="0"/>
+              <a:t>The Power Of Resolvers </a:t>
+            </a:r>
+            <a:r>
+              <a:rPr lang="en-US" dirty="0" smtClean="0"/>
+              <a:t>and </a:t>
+            </a:r>
+            <a:r>
+              <a:rPr lang="en-US" dirty="0" err="1" smtClean="0"/>
+              <a:t>DataLoaders</a:t>
+            </a:r>
+            <a:r>
+              <a:rPr lang="en-US" dirty="0" smtClean="0"/>
+              <a:t> </a:t>
+            </a:r>
+            <a:endParaRPr lang="en-US" dirty="0"/>
+          </a:p>
+        </p:txBody>
+      </p:sp>
+      <p:sp>
+        <p:nvSpPr>
+          <p:cNvPr id="3" name="Content Placeholder 2"/>
+          <p:cNvSpPr>
+            <a:spLocks noGrp="1"/>
+          </p:cNvSpPr>
+          <p:nvPr>
+            <p:ph idx="1"/>
+          </p:nvPr>
+        </p:nvSpPr>
+        <p:spPr/>
+        <p:txBody>
+          <a:bodyPr/>
+          <a:lstStyle/>
+          <a:p>
+            <a:r>
+              <a:rPr lang="en-US" dirty="0"/>
+              <a:t>Modifying the User </a:t>
+            </a:r>
+            <a:r>
+              <a:rPr lang="en-US" dirty="0" smtClean="0"/>
+              <a:t>Model with custom Field resolver Nationality.</a:t>
+            </a:r>
+            <a:endParaRPr lang="en-US" dirty="0" smtClean="0"/>
+          </a:p>
+          <a:p>
+            <a:r>
+              <a:rPr lang="en-US" dirty="0" smtClean="0"/>
+              <a:t>Modifying </a:t>
+            </a:r>
+            <a:r>
+              <a:rPr lang="en-US" dirty="0" smtClean="0"/>
+              <a:t>the User Model With Data From external source </a:t>
+            </a:r>
+            <a:r>
+              <a:rPr lang="en-US" dirty="0" smtClean="0"/>
+              <a:t>Weather </a:t>
+            </a:r>
+            <a:endParaRPr lang="en-US" dirty="0" smtClean="0"/>
+          </a:p>
+          <a:p>
+            <a:r>
+              <a:rPr lang="en-US" dirty="0" smtClean="0"/>
+              <a:t>Adding second web </a:t>
+            </a:r>
+            <a:r>
+              <a:rPr lang="en-US" dirty="0" err="1" smtClean="0"/>
+              <a:t>api</a:t>
+            </a:r>
+            <a:r>
+              <a:rPr lang="en-US" dirty="0" smtClean="0"/>
+              <a:t> project as </a:t>
+            </a:r>
+            <a:r>
+              <a:rPr lang="en-US" dirty="0" smtClean="0"/>
+              <a:t>microservice simulation </a:t>
+            </a:r>
+            <a:r>
+              <a:rPr lang="en-US" dirty="0" smtClean="0"/>
+              <a:t>example </a:t>
+            </a:r>
+            <a:r>
+              <a:rPr lang="en-US" dirty="0" smtClean="0"/>
+              <a:t>,</a:t>
+            </a:r>
+          </a:p>
+          <a:p>
+            <a:r>
+              <a:rPr lang="en-US" dirty="0" smtClean="0"/>
+              <a:t>Extending the users with a property that has an async data loader</a:t>
+            </a:r>
+          </a:p>
+          <a:p>
+            <a:r>
+              <a:rPr lang="en-US" dirty="0" smtClean="0"/>
+              <a:t>A powerful </a:t>
+            </a:r>
+            <a:r>
+              <a:rPr lang="en-US" dirty="0" err="1" smtClean="0"/>
+              <a:t>LoadBatchAsync</a:t>
+            </a:r>
+            <a:r>
+              <a:rPr lang="en-US" dirty="0" smtClean="0"/>
+              <a:t> implantation is  that well reduce the calls as much as possible in our case GQL will make only one async call to resolve the property for all queries .</a:t>
+            </a:r>
+          </a:p>
+          <a:p>
+            <a:r>
+              <a:rPr lang="en-US" dirty="0" smtClean="0"/>
+              <a:t> not in GQL Cloud we can mark a property directly as @Lambda to fetch a property directly from API .</a:t>
+            </a:r>
+            <a:endParaRPr lang="en-US" dirty="0" smtClean="0"/>
+          </a:p>
+          <a:p>
+            <a:endParaRPr lang="en-US" dirty="0"/>
+          </a:p>
+        </p:txBody>
+      </p:sp>
+    </p:spTree>
+    <p:extLst>
+      <p:ext uri="{BB962C8B-B14F-4D97-AF65-F5344CB8AC3E}">
+        <p14:creationId xmlns:p14="http://schemas.microsoft.com/office/powerpoint/2010/main" val="3030753898"/>
+      </p:ext>
+    </p:extLst>
+  </p:cSld>
+  <p:clrMapOvr>
+    <a:masterClrMapping/>
+  </p:clrMapOvr>
+</p:sld>
+</file>
+
+<file path=ppt/slides/slide22.xml><?xml version="1.0" encoding="utf-8"?>
+<p:sld xmlns:a="http://schemas.openxmlformats.org/drawingml/2006/main" xmlns:r="http://schemas.openxmlformats.org/officeDocument/2006/relationships" xmlns:p="http://schemas.openxmlformats.org/presentationml/2006/main">
+  <p:cSld>
+    <p:spTree>
+      <p:nvGrpSpPr>
+        <p:cNvPr id="1" name=""/>
+        <p:cNvGrpSpPr/>
+        <p:nvPr/>
+      </p:nvGrpSpPr>
+      <p:grpSpPr>
+        <a:xfrm>
+          <a:off x="0" y="0"/>
+          <a:ext cx="0" cy="0"/>
+          <a:chOff x="0" y="0"/>
+          <a:chExt cx="0" cy="0"/>
+        </a:xfrm>
+      </p:grpSpPr>
+      <p:sp>
+        <p:nvSpPr>
+          <p:cNvPr id="2" name="Title 1"/>
+          <p:cNvSpPr>
+            <a:spLocks noGrp="1"/>
+          </p:cNvSpPr>
+          <p:nvPr>
+            <p:ph type="title"/>
+          </p:nvPr>
+        </p:nvSpPr>
+        <p:spPr/>
+        <p:txBody>
+          <a:bodyPr/>
+          <a:lstStyle/>
+          <a:p>
+            <a:r>
+              <a:rPr lang="en-US" dirty="0" smtClean="0"/>
+              <a:t>Subscriptions : </a:t>
+            </a:r>
+            <a:r>
+              <a:rPr lang="en-US" sz="2800" dirty="0"/>
+              <a:t>A</a:t>
+            </a:r>
+            <a:r>
+              <a:rPr lang="en-US" sz="2800" dirty="0" smtClean="0"/>
+              <a:t>n other very powerful feature of </a:t>
+            </a:r>
+            <a:r>
+              <a:rPr lang="en-US" sz="2800" dirty="0"/>
+              <a:t>G</a:t>
+            </a:r>
+            <a:r>
+              <a:rPr lang="en-US" sz="2800" dirty="0" smtClean="0"/>
+              <a:t>raph QL  </a:t>
+            </a:r>
+            <a:endParaRPr lang="en-US" sz="2800" dirty="0"/>
+          </a:p>
+        </p:txBody>
+      </p:sp>
+      <p:sp>
+        <p:nvSpPr>
+          <p:cNvPr id="3" name="Content Placeholder 2"/>
+          <p:cNvSpPr>
+            <a:spLocks noGrp="1"/>
+          </p:cNvSpPr>
+          <p:nvPr>
+            <p:ph idx="1"/>
+          </p:nvPr>
+        </p:nvSpPr>
+        <p:spPr/>
+        <p:txBody>
+          <a:bodyPr/>
+          <a:lstStyle/>
+          <a:p>
+            <a:endParaRPr lang="en-US" dirty="0"/>
+          </a:p>
+        </p:txBody>
+      </p:sp>
+    </p:spTree>
+    <p:extLst>
+      <p:ext uri="{BB962C8B-B14F-4D97-AF65-F5344CB8AC3E}">
+        <p14:creationId xmlns:p14="http://schemas.microsoft.com/office/powerpoint/2010/main" val="3144378558"/>
+      </p:ext>
+    </p:extLst>
+  </p:cSld>
+  <p:clrMapOvr>
+    <a:masterClrMapping/>
+  </p:clrMapOvr>
+</p:sld>
+</file>
+
+<file path=ppt/slides/slide23.xml><?xml version="1.0" encoding="utf-8"?>
 <p:sld xmlns:a="http://schemas.openxmlformats.org/drawingml/2006/main" xmlns:r="http://schemas.openxmlformats.org/officeDocument/2006/relationships" xmlns:p="http://schemas.openxmlformats.org/presentationml/2006/main">
   <p:cSld>
     <p:spTree>

--- a/Sure_Ahmed_Samir_GQL_Tut.pptx
+++ b/Sure_Ahmed_Samir_GQL_Tut.pptx
@@ -5,7 +5,7 @@
     <p:sldMasterId id="2147483648" r:id="rId1"/>
   </p:sldMasterIdLst>
   <p:notesMasterIdLst>
-    <p:notesMasterId r:id="rId25"/>
+    <p:notesMasterId r:id="rId26"/>
   </p:notesMasterIdLst>
   <p:sldIdLst>
     <p:sldId id="256" r:id="rId2"/>
@@ -30,7 +30,8 @@
     <p:sldId id="275" r:id="rId21"/>
     <p:sldId id="277" r:id="rId22"/>
     <p:sldId id="278" r:id="rId23"/>
-    <p:sldId id="276" r:id="rId24"/>
+    <p:sldId id="279" r:id="rId24"/>
+    <p:sldId id="276" r:id="rId25"/>
   </p:sldIdLst>
   <p:sldSz cx="12192000" cy="6858000"/>
   <p:notesSz cx="6858000" cy="9144000"/>
@@ -4779,15 +4780,7 @@
           <a:p>
             <a:r>
               <a:rPr lang="en-US" dirty="0" smtClean="0"/>
-              <a:t>Resolvers  </a:t>
-            </a:r>
-            <a:r>
-              <a:rPr lang="en-US" dirty="0" smtClean="0"/>
-              <a:t>and data loaders </a:t>
-            </a:r>
-            <a:r>
-              <a:rPr lang="en-US" dirty="0" smtClean="0"/>
-              <a:t>:</a:t>
+              <a:t>Resolvers  and data loaders :</a:t>
             </a:r>
           </a:p>
           <a:p>
@@ -8813,11 +8806,7 @@
           <a:p>
             <a:r>
               <a:rPr lang="en-US" dirty="0" smtClean="0"/>
-              <a:t>The Power Of Resolvers </a:t>
-            </a:r>
-            <a:r>
-              <a:rPr lang="en-US" dirty="0" smtClean="0"/>
-              <a:t>and </a:t>
+              <a:t>The Power Of Resolvers and </a:t>
             </a:r>
             <a:r>
               <a:rPr lang="en-US" dirty="0" err="1" smtClean="0"/>
@@ -8854,22 +8843,12 @@
               <a:rPr lang="en-US" dirty="0" smtClean="0"/>
               <a:t>Model with custom Field resolver Nationality.</a:t>
             </a:r>
-            <a:endParaRPr lang="en-US" dirty="0" smtClean="0"/>
           </a:p>
           <a:p>
             <a:r>
               <a:rPr lang="en-US" dirty="0" smtClean="0"/>
-              <a:t>Modifying </a:t>
-            </a:r>
-            <a:r>
-              <a:rPr lang="en-US" dirty="0" smtClean="0"/>
-              <a:t>the User Model With Data From external source </a:t>
-            </a:r>
-            <a:r>
-              <a:rPr lang="en-US" dirty="0" smtClean="0"/>
-              <a:t>Weather </a:t>
-            </a:r>
-            <a:endParaRPr lang="en-US" dirty="0" smtClean="0"/>
+              <a:t>Modifying the User Model With Data From external source Weather </a:t>
+            </a:r>
           </a:p>
           <a:p>
             <a:r>
@@ -8882,19 +8861,7 @@
             </a:r>
             <a:r>
               <a:rPr lang="en-US" dirty="0" smtClean="0"/>
-              <a:t> project as </a:t>
-            </a:r>
-            <a:r>
-              <a:rPr lang="en-US" dirty="0" smtClean="0"/>
-              <a:t>microservice simulation </a:t>
-            </a:r>
-            <a:r>
-              <a:rPr lang="en-US" dirty="0" smtClean="0"/>
-              <a:t>example </a:t>
-            </a:r>
-            <a:r>
-              <a:rPr lang="en-US" dirty="0" smtClean="0"/>
-              <a:t>,</a:t>
+              <a:t> project as microservice simulation example ,</a:t>
             </a:r>
           </a:p>
           <a:p>
@@ -8922,7 +8889,6 @@
               <a:rPr lang="en-US" dirty="0" smtClean="0"/>
               <a:t> not in GQL Cloud we can mark a property directly as @Lambda to fetch a property directly from API .</a:t>
             </a:r>
-            <a:endParaRPr lang="en-US" dirty="0" smtClean="0"/>
           </a:p>
           <a:p>
             <a:endParaRPr lang="en-US" dirty="0"/>
@@ -9010,9 +8976,85 @@
         </p:nvSpPr>
         <p:spPr/>
         <p:txBody>
-          <a:bodyPr/>
+          <a:bodyPr>
+            <a:normAutofit fontScale="77500" lnSpcReduction="20000"/>
+          </a:bodyPr>
           <a:lstStyle/>
           <a:p>
+            <a:r>
+              <a:rPr lang="en-US" dirty="0"/>
+              <a:t>S</a:t>
+            </a:r>
+            <a:r>
+              <a:rPr lang="en-US" dirty="0" smtClean="0"/>
+              <a:t>ubscriptions </a:t>
+            </a:r>
+            <a:r>
+              <a:rPr lang="en-US" dirty="0"/>
+              <a:t>are long-lasting operations that can change their result over time. They can maintain an active connection to your </a:t>
+            </a:r>
+            <a:r>
+              <a:rPr lang="en-US" dirty="0" err="1"/>
+              <a:t>GraphQL</a:t>
+            </a:r>
+            <a:r>
+              <a:rPr lang="en-US" dirty="0"/>
+              <a:t> server (most commonly via </a:t>
+            </a:r>
+            <a:r>
+              <a:rPr lang="en-US" dirty="0" err="1"/>
+              <a:t>WebSocket</a:t>
+            </a:r>
+            <a:r>
+              <a:rPr lang="en-US" dirty="0"/>
+              <a:t>), enabling the server to push updates to the subscription's result.</a:t>
+            </a:r>
+          </a:p>
+          <a:p>
+            <a:r>
+              <a:rPr lang="en-US" dirty="0"/>
+              <a:t>Subscriptions are useful for notifying your client in real time about changes to back-end data, such as the creation of a new object or updates to an important field.</a:t>
+            </a:r>
+          </a:p>
+          <a:p>
+            <a:r>
+              <a:rPr lang="en-US" b="1" dirty="0">
+                <a:hlinkClick r:id="rId2"/>
+              </a:rPr>
+              <a:t>When to use subscriptions</a:t>
+            </a:r>
+            <a:endParaRPr lang="en-US" b="1" dirty="0"/>
+          </a:p>
+          <a:p>
+            <a:r>
+              <a:rPr lang="en-US" b="1" dirty="0"/>
+              <a:t>Small, incremental changes to large objects</a:t>
+            </a:r>
+            <a:r>
+              <a:rPr lang="en-US" dirty="0"/>
+              <a:t>. Repeatedly polling for a large object is expensive, especially when most of the object's fields rarely change. Instead, you can fetch the object's initial state with a query, and your server can proactively push updates to individual fields as they occur.</a:t>
+            </a:r>
+          </a:p>
+          <a:p>
+            <a:r>
+              <a:rPr lang="en-US" b="1" dirty="0"/>
+              <a:t>Low-latency, real-time updates</a:t>
+            </a:r>
+            <a:r>
+              <a:rPr lang="en-US" dirty="0"/>
+              <a:t>. For example, a chat application's client wants to receive new messages as soon as they're available.</a:t>
+            </a:r>
+          </a:p>
+          <a:p>
+            <a:r>
+              <a:rPr lang="en-US" dirty="0" smtClean="0"/>
+              <a:t>And the alternative is Pooling Technique by WatchQuery or Query with pollInterval ** we be discussed later .</a:t>
+            </a:r>
+          </a:p>
+          <a:p>
+            <a:pPr marL="0" indent="0">
+              <a:buNone/>
+            </a:pPr>
             <a:endParaRPr lang="en-US" dirty="0"/>
           </a:p>
         </p:txBody>
@@ -9031,6 +9073,168 @@
 </file>
 
 <file path=ppt/slides/slide23.xml><?xml version="1.0" encoding="utf-8"?>
+<p:sld xmlns:a="http://schemas.openxmlformats.org/drawingml/2006/main" xmlns:r="http://schemas.openxmlformats.org/officeDocument/2006/relationships" xmlns:p="http://schemas.openxmlformats.org/presentationml/2006/main">
+  <p:cSld>
+    <p:spTree>
+      <p:nvGrpSpPr>
+        <p:cNvPr id="1" name=""/>
+        <p:cNvGrpSpPr/>
+        <p:nvPr/>
+      </p:nvGrpSpPr>
+      <p:grpSpPr>
+        <a:xfrm>
+          <a:off x="0" y="0"/>
+          <a:ext cx="0" cy="0"/>
+          <a:chOff x="0" y="0"/>
+          <a:chExt cx="0" cy="0"/>
+        </a:xfrm>
+      </p:grpSpPr>
+      <p:sp>
+        <p:nvSpPr>
+          <p:cNvPr id="2" name="Title 1"/>
+          <p:cNvSpPr>
+            <a:spLocks noGrp="1"/>
+          </p:cNvSpPr>
+          <p:nvPr>
+            <p:ph type="title"/>
+          </p:nvPr>
+        </p:nvSpPr>
+        <p:spPr/>
+        <p:txBody>
+          <a:bodyPr/>
+          <a:lstStyle/>
+          <a:p>
+            <a:r>
+              <a:rPr lang="en-US" dirty="0" smtClean="0"/>
+              <a:t>Clients : Time For Client side </a:t>
+            </a:r>
+            <a:r>
+              <a:rPr lang="en-US" dirty="0" err="1" smtClean="0"/>
+              <a:t>cunsumers</a:t>
+            </a:r>
+            <a:r>
+              <a:rPr lang="en-US" dirty="0" smtClean="0"/>
+              <a:t> and some play * Apollo </a:t>
+            </a:r>
+            <a:endParaRPr lang="en-US" dirty="0"/>
+          </a:p>
+        </p:txBody>
+      </p:sp>
+      <p:sp>
+        <p:nvSpPr>
+          <p:cNvPr id="3" name="Content Placeholder 2"/>
+          <p:cNvSpPr>
+            <a:spLocks noGrp="1"/>
+          </p:cNvSpPr>
+          <p:nvPr>
+            <p:ph idx="1"/>
+          </p:nvPr>
+        </p:nvSpPr>
+        <p:spPr/>
+        <p:txBody>
+          <a:bodyPr/>
+          <a:lstStyle/>
+          <a:p>
+            <a:r>
+              <a:rPr lang="en-US" dirty="0" err="1" smtClean="0"/>
+              <a:t>Apllo</a:t>
+            </a:r>
+            <a:r>
+              <a:rPr lang="en-US" dirty="0" smtClean="0"/>
+              <a:t> is one of the most </a:t>
+            </a:r>
+            <a:r>
+              <a:rPr lang="en-US" dirty="0" err="1" smtClean="0"/>
+              <a:t>famos</a:t>
+            </a:r>
+            <a:r>
+              <a:rPr lang="en-US" dirty="0" smtClean="0"/>
+              <a:t> GQL Libraries for client and server side </a:t>
+            </a:r>
+          </a:p>
+          <a:p>
+            <a:r>
+              <a:rPr lang="en-US" dirty="0" smtClean="0"/>
+              <a:t>It’s very common use in Client sides and available for angular , react , </a:t>
+            </a:r>
+            <a:r>
+              <a:rPr lang="en-US" dirty="0" err="1" smtClean="0"/>
+              <a:t>veuJS</a:t>
+            </a:r>
+            <a:r>
+              <a:rPr lang="en-US" dirty="0" smtClean="0"/>
+              <a:t> , </a:t>
+            </a:r>
+            <a:r>
+              <a:rPr lang="en-US" dirty="0" err="1" smtClean="0"/>
+              <a:t>pureJs</a:t>
+            </a:r>
+            <a:r>
+              <a:rPr lang="en-US" dirty="0" smtClean="0"/>
+              <a:t> , </a:t>
+            </a:r>
+            <a:r>
+              <a:rPr lang="en-US" dirty="0" err="1" smtClean="0"/>
+              <a:t>kotlin</a:t>
+            </a:r>
+            <a:r>
+              <a:rPr lang="en-US" dirty="0" smtClean="0"/>
+              <a:t> and swift .</a:t>
+            </a:r>
+          </a:p>
+          <a:p>
+            <a:r>
+              <a:rPr lang="en-US" dirty="0">
+                <a:hlinkClick r:id="rId2"/>
+              </a:rPr>
+              <a:t>https://www.apollographql.com/docs</a:t>
+            </a:r>
+            <a:r>
+              <a:rPr lang="en-US" dirty="0" smtClean="0">
+                <a:hlinkClick r:id="rId2"/>
+              </a:rPr>
+              <a:t>/</a:t>
+            </a:r>
+            <a:endParaRPr lang="en-US" dirty="0" smtClean="0"/>
+          </a:p>
+          <a:p>
+            <a:r>
+              <a:rPr lang="en-US" dirty="0">
+                <a:hlinkClick r:id="rId3"/>
+              </a:rPr>
+              <a:t>https://apollo-angular.com/docs</a:t>
+            </a:r>
+            <a:r>
+              <a:rPr lang="en-US" dirty="0" smtClean="0">
+                <a:hlinkClick r:id="rId3"/>
+              </a:rPr>
+              <a:t>/</a:t>
+            </a:r>
+            <a:endParaRPr lang="en-US" dirty="0" smtClean="0"/>
+          </a:p>
+          <a:p>
+            <a:r>
+              <a:rPr lang="en-US" dirty="0" smtClean="0"/>
+              <a:t>Lets start our FE project </a:t>
+            </a:r>
+            <a:endParaRPr lang="en-US" dirty="0"/>
+          </a:p>
+        </p:txBody>
+      </p:sp>
+    </p:spTree>
+    <p:extLst>
+      <p:ext uri="{BB962C8B-B14F-4D97-AF65-F5344CB8AC3E}">
+        <p14:creationId xmlns:p14="http://schemas.microsoft.com/office/powerpoint/2010/main" val="3234917675"/>
+      </p:ext>
+    </p:extLst>
+  </p:cSld>
+  <p:clrMapOvr>
+    <a:masterClrMapping/>
+  </p:clrMapOvr>
+</p:sld>
+</file>
+
+<file path=ppt/slides/slide24.xml><?xml version="1.0" encoding="utf-8"?>
 <p:sld xmlns:a="http://schemas.openxmlformats.org/drawingml/2006/main" xmlns:r="http://schemas.openxmlformats.org/officeDocument/2006/relationships" xmlns:p="http://schemas.openxmlformats.org/presentationml/2006/main">
   <p:cSld>
     <p:spTree>

--- a/Sure_Ahmed_Samir_GQL_Tut.pptx
+++ b/Sure_Ahmed_Samir_GQL_Tut.pptx
@@ -220,7 +220,7 @@
           <a:p>
             <a:fld id="{40E5F44E-6249-4E81-AC40-347B8931640D}" type="datetimeFigureOut">
               <a:rPr lang="en-US" smtClean="0"/>
-              <a:t>7/20/2022</a:t>
+              <a:t>7/21/2022</a:t>
             </a:fld>
             <a:endParaRPr lang="en-US"/>
           </a:p>
@@ -703,7 +703,7 @@
           <a:p>
             <a:fld id="{208FA2B7-0B11-4137-BC5E-6BB985399255}" type="datetimeFigureOut">
               <a:rPr lang="en-US" smtClean="0"/>
-              <a:t>7/20/2022</a:t>
+              <a:t>7/21/2022</a:t>
             </a:fld>
             <a:endParaRPr lang="en-US"/>
           </a:p>
@@ -873,7 +873,7 @@
           <a:p>
             <a:fld id="{208FA2B7-0B11-4137-BC5E-6BB985399255}" type="datetimeFigureOut">
               <a:rPr lang="en-US" smtClean="0"/>
-              <a:t>7/20/2022</a:t>
+              <a:t>7/21/2022</a:t>
             </a:fld>
             <a:endParaRPr lang="en-US"/>
           </a:p>
@@ -1053,7 +1053,7 @@
           <a:p>
             <a:fld id="{208FA2B7-0B11-4137-BC5E-6BB985399255}" type="datetimeFigureOut">
               <a:rPr lang="en-US" smtClean="0"/>
-              <a:t>7/20/2022</a:t>
+              <a:t>7/21/2022</a:t>
             </a:fld>
             <a:endParaRPr lang="en-US"/>
           </a:p>
@@ -1253,7 +1253,7 @@
           <a:p>
             <a:fld id="{208FA2B7-0B11-4137-BC5E-6BB985399255}" type="datetimeFigureOut">
               <a:rPr lang="en-US" smtClean="0"/>
-              <a:t>7/20/2022</a:t>
+              <a:t>7/21/2022</a:t>
             </a:fld>
             <a:endParaRPr lang="en-US"/>
           </a:p>
@@ -1499,7 +1499,7 @@
           <a:p>
             <a:fld id="{208FA2B7-0B11-4137-BC5E-6BB985399255}" type="datetimeFigureOut">
               <a:rPr lang="en-US" smtClean="0"/>
-              <a:t>7/20/2022</a:t>
+              <a:t>7/21/2022</a:t>
             </a:fld>
             <a:endParaRPr lang="en-US"/>
           </a:p>
@@ -1731,7 +1731,7 @@
           <a:p>
             <a:fld id="{208FA2B7-0B11-4137-BC5E-6BB985399255}" type="datetimeFigureOut">
               <a:rPr lang="en-US" smtClean="0"/>
-              <a:t>7/20/2022</a:t>
+              <a:t>7/21/2022</a:t>
             </a:fld>
             <a:endParaRPr lang="en-US"/>
           </a:p>
@@ -2098,7 +2098,7 @@
           <a:p>
             <a:fld id="{208FA2B7-0B11-4137-BC5E-6BB985399255}" type="datetimeFigureOut">
               <a:rPr lang="en-US" smtClean="0"/>
-              <a:t>7/20/2022</a:t>
+              <a:t>7/21/2022</a:t>
             </a:fld>
             <a:endParaRPr lang="en-US"/>
           </a:p>
@@ -2216,7 +2216,7 @@
           <a:p>
             <a:fld id="{208FA2B7-0B11-4137-BC5E-6BB985399255}" type="datetimeFigureOut">
               <a:rPr lang="en-US" smtClean="0"/>
-              <a:t>7/20/2022</a:t>
+              <a:t>7/21/2022</a:t>
             </a:fld>
             <a:endParaRPr lang="en-US"/>
           </a:p>
@@ -2311,7 +2311,7 @@
           <a:p>
             <a:fld id="{208FA2B7-0B11-4137-BC5E-6BB985399255}" type="datetimeFigureOut">
               <a:rPr lang="en-US" smtClean="0"/>
-              <a:t>7/20/2022</a:t>
+              <a:t>7/21/2022</a:t>
             </a:fld>
             <a:endParaRPr lang="en-US"/>
           </a:p>
@@ -2588,7 +2588,7 @@
           <a:p>
             <a:fld id="{208FA2B7-0B11-4137-BC5E-6BB985399255}" type="datetimeFigureOut">
               <a:rPr lang="en-US" smtClean="0"/>
-              <a:t>7/20/2022</a:t>
+              <a:t>7/21/2022</a:t>
             </a:fld>
             <a:endParaRPr lang="en-US"/>
           </a:p>
@@ -2841,7 +2841,7 @@
           <a:p>
             <a:fld id="{208FA2B7-0B11-4137-BC5E-6BB985399255}" type="datetimeFigureOut">
               <a:rPr lang="en-US" smtClean="0"/>
-              <a:t>7/20/2022</a:t>
+              <a:t>7/21/2022</a:t>
             </a:fld>
             <a:endParaRPr lang="en-US"/>
           </a:p>
@@ -3054,7 +3054,7 @@
           <a:p>
             <a:fld id="{208FA2B7-0B11-4137-BC5E-6BB985399255}" type="datetimeFigureOut">
               <a:rPr lang="en-US" smtClean="0"/>
-              <a:t>7/20/2022</a:t>
+              <a:t>7/21/2022</a:t>
             </a:fld>
             <a:endParaRPr lang="en-US"/>
           </a:p>
@@ -3493,10 +3493,15 @@
             <p:ph type="subTitle" idx="1"/>
           </p:nvPr>
         </p:nvSpPr>
-        <p:spPr/>
+        <p:spPr>
+          <a:xfrm>
+            <a:off x="0" y="3602038"/>
+            <a:ext cx="11853644" cy="1655762"/>
+          </a:xfrm>
+        </p:spPr>
         <p:txBody>
           <a:bodyPr>
-            <a:normAutofit/>
+            <a:normAutofit fontScale="92500"/>
           </a:bodyPr>
           <a:lstStyle/>
           <a:p>
@@ -3509,6 +3514,14 @@
             </a:br>
             <a:r>
               <a:rPr lang="en-US" sz="3600" dirty="0" smtClean="0"/>
+              <a:t>Ahmed Samir Abd El </a:t>
+            </a:r>
+            <a:r>
+              <a:rPr lang="en-US" sz="3600" dirty="0" err="1" smtClean="0"/>
+              <a:t>Aal</a:t>
+            </a:r>
+            <a:r>
+              <a:rPr lang="en-US" sz="3600" dirty="0" smtClean="0"/>
               <a:t/>
             </a:r>
             <a:br>
@@ -3516,11 +3529,19 @@
             </a:br>
             <a:r>
               <a:rPr lang="en-US" sz="3600" dirty="0" smtClean="0"/>
-              <a:t>Ahmed Samir Abd El </a:t>
+              <a:t>Tutorial </a:t>
             </a:r>
             <a:r>
               <a:rPr lang="en-US" sz="3600" dirty="0" err="1" smtClean="0"/>
-              <a:t>Aal</a:t>
+              <a:t>github</a:t>
+            </a:r>
+            <a:r>
+              <a:rPr lang="en-US" sz="3600" smtClean="0"/>
+              <a:t>: https</a:t>
+            </a:r>
+            <a:r>
+              <a:rPr lang="en-US" sz="3600" dirty="0"/>
+              <a:t>://github.com/ahmedsure/sure_tut_gql.git</a:t>
             </a:r>
             <a:endParaRPr lang="en-US" sz="3600" dirty="0"/>
           </a:p>

--- a/Sure_Ahmed_Samir_GQL_Tut.pptx
+++ b/Sure_Ahmed_Samir_GQL_Tut.pptx
@@ -5,33 +5,35 @@
     <p:sldMasterId id="2147483648" r:id="rId1"/>
   </p:sldMasterIdLst>
   <p:notesMasterIdLst>
-    <p:notesMasterId r:id="rId26"/>
+    <p:notesMasterId r:id="rId28"/>
   </p:notesMasterIdLst>
   <p:sldIdLst>
     <p:sldId id="256" r:id="rId2"/>
     <p:sldId id="262" r:id="rId3"/>
-    <p:sldId id="267" r:id="rId4"/>
-    <p:sldId id="263" r:id="rId5"/>
-    <p:sldId id="257" r:id="rId6"/>
-    <p:sldId id="258" r:id="rId7"/>
-    <p:sldId id="259" r:id="rId8"/>
-    <p:sldId id="260" r:id="rId9"/>
-    <p:sldId id="261" r:id="rId10"/>
-    <p:sldId id="264" r:id="rId11"/>
-    <p:sldId id="265" r:id="rId12"/>
-    <p:sldId id="266" r:id="rId13"/>
-    <p:sldId id="268" r:id="rId14"/>
-    <p:sldId id="269" r:id="rId15"/>
-    <p:sldId id="270" r:id="rId16"/>
-    <p:sldId id="273" r:id="rId17"/>
-    <p:sldId id="271" r:id="rId18"/>
-    <p:sldId id="272" r:id="rId19"/>
-    <p:sldId id="274" r:id="rId20"/>
-    <p:sldId id="275" r:id="rId21"/>
-    <p:sldId id="277" r:id="rId22"/>
-    <p:sldId id="278" r:id="rId23"/>
-    <p:sldId id="279" r:id="rId24"/>
-    <p:sldId id="276" r:id="rId25"/>
+    <p:sldId id="282" r:id="rId4"/>
+    <p:sldId id="283" r:id="rId5"/>
+    <p:sldId id="267" r:id="rId6"/>
+    <p:sldId id="263" r:id="rId7"/>
+    <p:sldId id="257" r:id="rId8"/>
+    <p:sldId id="258" r:id="rId9"/>
+    <p:sldId id="259" r:id="rId10"/>
+    <p:sldId id="260" r:id="rId11"/>
+    <p:sldId id="261" r:id="rId12"/>
+    <p:sldId id="264" r:id="rId13"/>
+    <p:sldId id="265" r:id="rId14"/>
+    <p:sldId id="266" r:id="rId15"/>
+    <p:sldId id="268" r:id="rId16"/>
+    <p:sldId id="269" r:id="rId17"/>
+    <p:sldId id="270" r:id="rId18"/>
+    <p:sldId id="273" r:id="rId19"/>
+    <p:sldId id="271" r:id="rId20"/>
+    <p:sldId id="272" r:id="rId21"/>
+    <p:sldId id="274" r:id="rId22"/>
+    <p:sldId id="275" r:id="rId23"/>
+    <p:sldId id="277" r:id="rId24"/>
+    <p:sldId id="278" r:id="rId25"/>
+    <p:sldId id="279" r:id="rId26"/>
+    <p:sldId id="276" r:id="rId27"/>
   </p:sldIdLst>
   <p:sldSz cx="12192000" cy="6858000"/>
   <p:notesSz cx="6858000" cy="9144000"/>
@@ -220,7 +222,7 @@
           <a:p>
             <a:fld id="{40E5F44E-6249-4E81-AC40-347B8931640D}" type="datetimeFigureOut">
               <a:rPr lang="en-US" smtClean="0"/>
-              <a:t>7/21/2022</a:t>
+              <a:t>8/3/2022</a:t>
             </a:fld>
             <a:endParaRPr lang="en-US"/>
           </a:p>
@@ -553,7 +555,7 @@
           <a:p>
             <a:fld id="{2BBEA8B8-B73C-4ABB-B4C5-3A711C5857EF}" type="slidenum">
               <a:rPr lang="en-US" smtClean="0"/>
-              <a:t>5</a:t>
+              <a:t>7</a:t>
             </a:fld>
             <a:endParaRPr lang="en-US"/>
           </a:p>
@@ -703,7 +705,7 @@
           <a:p>
             <a:fld id="{208FA2B7-0B11-4137-BC5E-6BB985399255}" type="datetimeFigureOut">
               <a:rPr lang="en-US" smtClean="0"/>
-              <a:t>7/21/2022</a:t>
+              <a:t>8/3/2022</a:t>
             </a:fld>
             <a:endParaRPr lang="en-US"/>
           </a:p>
@@ -873,7 +875,7 @@
           <a:p>
             <a:fld id="{208FA2B7-0B11-4137-BC5E-6BB985399255}" type="datetimeFigureOut">
               <a:rPr lang="en-US" smtClean="0"/>
-              <a:t>7/21/2022</a:t>
+              <a:t>8/3/2022</a:t>
             </a:fld>
             <a:endParaRPr lang="en-US"/>
           </a:p>
@@ -1053,7 +1055,7 @@
           <a:p>
             <a:fld id="{208FA2B7-0B11-4137-BC5E-6BB985399255}" type="datetimeFigureOut">
               <a:rPr lang="en-US" smtClean="0"/>
-              <a:t>7/21/2022</a:t>
+              <a:t>8/3/2022</a:t>
             </a:fld>
             <a:endParaRPr lang="en-US"/>
           </a:p>
@@ -1253,7 +1255,7 @@
           <a:p>
             <a:fld id="{208FA2B7-0B11-4137-BC5E-6BB985399255}" type="datetimeFigureOut">
               <a:rPr lang="en-US" smtClean="0"/>
-              <a:t>7/21/2022</a:t>
+              <a:t>8/3/2022</a:t>
             </a:fld>
             <a:endParaRPr lang="en-US"/>
           </a:p>
@@ -1499,7 +1501,7 @@
           <a:p>
             <a:fld id="{208FA2B7-0B11-4137-BC5E-6BB985399255}" type="datetimeFigureOut">
               <a:rPr lang="en-US" smtClean="0"/>
-              <a:t>7/21/2022</a:t>
+              <a:t>8/3/2022</a:t>
             </a:fld>
             <a:endParaRPr lang="en-US"/>
           </a:p>
@@ -1731,7 +1733,7 @@
           <a:p>
             <a:fld id="{208FA2B7-0B11-4137-BC5E-6BB985399255}" type="datetimeFigureOut">
               <a:rPr lang="en-US" smtClean="0"/>
-              <a:t>7/21/2022</a:t>
+              <a:t>8/3/2022</a:t>
             </a:fld>
             <a:endParaRPr lang="en-US"/>
           </a:p>
@@ -2098,7 +2100,7 @@
           <a:p>
             <a:fld id="{208FA2B7-0B11-4137-BC5E-6BB985399255}" type="datetimeFigureOut">
               <a:rPr lang="en-US" smtClean="0"/>
-              <a:t>7/21/2022</a:t>
+              <a:t>8/3/2022</a:t>
             </a:fld>
             <a:endParaRPr lang="en-US"/>
           </a:p>
@@ -2216,7 +2218,7 @@
           <a:p>
             <a:fld id="{208FA2B7-0B11-4137-BC5E-6BB985399255}" type="datetimeFigureOut">
               <a:rPr lang="en-US" smtClean="0"/>
-              <a:t>7/21/2022</a:t>
+              <a:t>8/3/2022</a:t>
             </a:fld>
             <a:endParaRPr lang="en-US"/>
           </a:p>
@@ -2311,7 +2313,7 @@
           <a:p>
             <a:fld id="{208FA2B7-0B11-4137-BC5E-6BB985399255}" type="datetimeFigureOut">
               <a:rPr lang="en-US" smtClean="0"/>
-              <a:t>7/21/2022</a:t>
+              <a:t>8/3/2022</a:t>
             </a:fld>
             <a:endParaRPr lang="en-US"/>
           </a:p>
@@ -2588,7 +2590,7 @@
           <a:p>
             <a:fld id="{208FA2B7-0B11-4137-BC5E-6BB985399255}" type="datetimeFigureOut">
               <a:rPr lang="en-US" smtClean="0"/>
-              <a:t>7/21/2022</a:t>
+              <a:t>8/3/2022</a:t>
             </a:fld>
             <a:endParaRPr lang="en-US"/>
           </a:p>
@@ -2841,7 +2843,7 @@
           <a:p>
             <a:fld id="{208FA2B7-0B11-4137-BC5E-6BB985399255}" type="datetimeFigureOut">
               <a:rPr lang="en-US" smtClean="0"/>
-              <a:t>7/21/2022</a:t>
+              <a:t>8/3/2022</a:t>
             </a:fld>
             <a:endParaRPr lang="en-US"/>
           </a:p>
@@ -3054,7 +3056,7 @@
           <a:p>
             <a:fld id="{208FA2B7-0B11-4137-BC5E-6BB985399255}" type="datetimeFigureOut">
               <a:rPr lang="en-US" smtClean="0"/>
-              <a:t>7/21/2022</a:t>
+              <a:t>8/3/2022</a:t>
             </a:fld>
             <a:endParaRPr lang="en-US"/>
           </a:p>
@@ -3543,7 +3545,6 @@
               <a:rPr lang="en-US" sz="3600" dirty="0"/>
               <a:t>://github.com/ahmedsure/sure_tut_gql.git</a:t>
             </a:r>
-            <a:endParaRPr lang="en-US" sz="3600" dirty="0"/>
           </a:p>
         </p:txBody>
       </p:sp>
@@ -3561,6 +3562,114 @@
 </file>
 
 <file path=ppt/slides/slide10.xml><?xml version="1.0" encoding="utf-8"?>
+<p:sld xmlns:a="http://schemas.openxmlformats.org/drawingml/2006/main" xmlns:r="http://schemas.openxmlformats.org/officeDocument/2006/relationships" xmlns:p="http://schemas.openxmlformats.org/presentationml/2006/main">
+  <p:cSld>
+    <p:spTree>
+      <p:nvGrpSpPr>
+        <p:cNvPr id="1" name=""/>
+        <p:cNvGrpSpPr/>
+        <p:nvPr/>
+      </p:nvGrpSpPr>
+      <p:grpSpPr>
+        <a:xfrm>
+          <a:off x="0" y="0"/>
+          <a:ext cx="9753600" cy="5486400"/>
+          <a:chOff x="0" y="0"/>
+          <a:chExt cx="9753600" cy="5486400"/>
+        </a:xfrm>
+      </p:grpSpPr>
+      <p:pic>
+        <p:nvPicPr>
+          <p:cNvPr id="2" name="Picture 1"/>
+          <p:cNvPicPr>
+            <a:picLocks noChangeAspect="1"/>
+          </p:cNvPicPr>
+          <p:nvPr/>
+        </p:nvPicPr>
+        <p:blipFill>
+          <a:blip r:embed="rId2"/>
+          <a:stretch>
+            <a:fillRect/>
+          </a:stretch>
+        </p:blipFill>
+        <p:spPr>
+          <a:xfrm>
+            <a:off x="0" y="0"/>
+            <a:ext cx="12192000" cy="6858000"/>
+          </a:xfrm>
+          <a:prstGeom prst="rect">
+            <a:avLst/>
+          </a:prstGeom>
+        </p:spPr>
+      </p:pic>
+    </p:spTree>
+    <p:extLst>
+      <p:ext uri="{BB962C8B-B14F-4D97-AF65-F5344CB8AC3E}">
+        <p14:creationId xmlns:p14="http://schemas.microsoft.com/office/powerpoint/2010/main" val="3656498733"/>
+      </p:ext>
+    </p:extLst>
+  </p:cSld>
+  <p:clrMapOvr>
+    <a:masterClrMapping/>
+  </p:clrMapOvr>
+</p:sld>
+</file>
+
+<file path=ppt/slides/slide11.xml><?xml version="1.0" encoding="utf-8"?>
+<p:sld xmlns:a="http://schemas.openxmlformats.org/drawingml/2006/main" xmlns:r="http://schemas.openxmlformats.org/officeDocument/2006/relationships" xmlns:p="http://schemas.openxmlformats.org/presentationml/2006/main">
+  <p:cSld>
+    <p:spTree>
+      <p:nvGrpSpPr>
+        <p:cNvPr id="1" name=""/>
+        <p:cNvGrpSpPr/>
+        <p:nvPr/>
+      </p:nvGrpSpPr>
+      <p:grpSpPr>
+        <a:xfrm>
+          <a:off x="0" y="0"/>
+          <a:ext cx="9753600" cy="5486400"/>
+          <a:chOff x="0" y="0"/>
+          <a:chExt cx="9753600" cy="5486400"/>
+        </a:xfrm>
+      </p:grpSpPr>
+      <p:pic>
+        <p:nvPicPr>
+          <p:cNvPr id="2" name="Picture 1"/>
+          <p:cNvPicPr>
+            <a:picLocks noChangeAspect="1"/>
+          </p:cNvPicPr>
+          <p:nvPr/>
+        </p:nvPicPr>
+        <p:blipFill>
+          <a:blip r:embed="rId2"/>
+          <a:stretch>
+            <a:fillRect/>
+          </a:stretch>
+        </p:blipFill>
+        <p:spPr>
+          <a:xfrm>
+            <a:off x="0" y="0"/>
+            <a:ext cx="12192000" cy="6858000"/>
+          </a:xfrm>
+          <a:prstGeom prst="rect">
+            <a:avLst/>
+          </a:prstGeom>
+        </p:spPr>
+      </p:pic>
+    </p:spTree>
+    <p:extLst>
+      <p:ext uri="{BB962C8B-B14F-4D97-AF65-F5344CB8AC3E}">
+        <p14:creationId xmlns:p14="http://schemas.microsoft.com/office/powerpoint/2010/main" val="3701316291"/>
+      </p:ext>
+    </p:extLst>
+  </p:cSld>
+  <p:clrMapOvr>
+    <a:masterClrMapping/>
+  </p:clrMapOvr>
+</p:sld>
+</file>
+
+<file path=ppt/slides/slide12.xml><?xml version="1.0" encoding="utf-8"?>
 <p:sld xmlns:a="http://schemas.openxmlformats.org/drawingml/2006/main" xmlns:r="http://schemas.openxmlformats.org/officeDocument/2006/relationships" xmlns:p="http://schemas.openxmlformats.org/presentationml/2006/main">
   <p:cSld>
     <p:spTree>
@@ -4849,7 +4958,7 @@
 </p:sld>
 </file>
 
-<file path=ppt/slides/slide11.xml><?xml version="1.0" encoding="utf-8"?>
+<file path=ppt/slides/slide13.xml><?xml version="1.0" encoding="utf-8"?>
 <p:sld xmlns:a="http://schemas.openxmlformats.org/drawingml/2006/main" xmlns:r="http://schemas.openxmlformats.org/officeDocument/2006/relationships" xmlns:p="http://schemas.openxmlformats.org/presentationml/2006/main">
   <p:cSld>
     <p:spTree>
@@ -5065,7 +5174,7 @@
 </p:sld>
 </file>
 
-<file path=ppt/slides/slide12.xml><?xml version="1.0" encoding="utf-8"?>
+<file path=ppt/slides/slide14.xml><?xml version="1.0" encoding="utf-8"?>
 <p:sld xmlns:a="http://schemas.openxmlformats.org/drawingml/2006/main" xmlns:r="http://schemas.openxmlformats.org/officeDocument/2006/relationships" xmlns:p="http://schemas.openxmlformats.org/presentationml/2006/main">
   <p:cSld>
     <p:spTree>
@@ -5328,7 +5437,7 @@
 </p:sld>
 </file>
 
-<file path=ppt/slides/slide13.xml><?xml version="1.0" encoding="utf-8"?>
+<file path=ppt/slides/slide15.xml><?xml version="1.0" encoding="utf-8"?>
 <p:sld xmlns:a="http://schemas.openxmlformats.org/drawingml/2006/main" xmlns:r="http://schemas.openxmlformats.org/officeDocument/2006/relationships" xmlns:p="http://schemas.openxmlformats.org/presentationml/2006/main">
   <p:cSld>
     <p:spTree>
@@ -5577,7 +5686,7 @@
 </p:sld>
 </file>
 
-<file path=ppt/slides/slide14.xml><?xml version="1.0" encoding="utf-8"?>
+<file path=ppt/slides/slide16.xml><?xml version="1.0" encoding="utf-8"?>
 <p:sld xmlns:a="http://schemas.openxmlformats.org/drawingml/2006/main" xmlns:r="http://schemas.openxmlformats.org/officeDocument/2006/relationships" xmlns:p="http://schemas.openxmlformats.org/presentationml/2006/main">
   <p:cSld>
     <p:spTree>
@@ -6552,7 +6661,7 @@
 </p:sld>
 </file>
 
-<file path=ppt/slides/slide15.xml><?xml version="1.0" encoding="utf-8"?>
+<file path=ppt/slides/slide17.xml><?xml version="1.0" encoding="utf-8"?>
 <p:sld xmlns:a="http://schemas.openxmlformats.org/drawingml/2006/main" xmlns:r="http://schemas.openxmlformats.org/officeDocument/2006/relationships" xmlns:p="http://schemas.openxmlformats.org/presentationml/2006/main">
   <p:cSld>
     <p:spTree>
@@ -7391,7 +7500,7 @@
 </p:sld>
 </file>
 
-<file path=ppt/slides/slide16.xml><?xml version="1.0" encoding="utf-8"?>
+<file path=ppt/slides/slide18.xml><?xml version="1.0" encoding="utf-8"?>
 <p:sld xmlns:a="http://schemas.openxmlformats.org/drawingml/2006/main" xmlns:r="http://schemas.openxmlformats.org/officeDocument/2006/relationships" xmlns:p="http://schemas.openxmlformats.org/presentationml/2006/main">
   <p:cSld>
     <p:spTree>
@@ -7584,7 +7693,7 @@
 </p:sld>
 </file>
 
-<file path=ppt/slides/slide17.xml><?xml version="1.0" encoding="utf-8"?>
+<file path=ppt/slides/slide19.xml><?xml version="1.0" encoding="utf-8"?>
 <p:sld xmlns:a="http://schemas.openxmlformats.org/drawingml/2006/main" xmlns:r="http://schemas.openxmlformats.org/officeDocument/2006/relationships" xmlns:p="http://schemas.openxmlformats.org/presentationml/2006/main">
   <p:cSld>
     <p:spTree>
@@ -7970,433 +8079,6 @@
 </p:sld>
 </file>
 
-<file path=ppt/slides/slide18.xml><?xml version="1.0" encoding="utf-8"?>
-<p:sld xmlns:a="http://schemas.openxmlformats.org/drawingml/2006/main" xmlns:r="http://schemas.openxmlformats.org/officeDocument/2006/relationships" xmlns:p="http://schemas.openxmlformats.org/presentationml/2006/main">
-  <p:cSld>
-    <p:spTree>
-      <p:nvGrpSpPr>
-        <p:cNvPr id="1" name=""/>
-        <p:cNvGrpSpPr/>
-        <p:nvPr/>
-      </p:nvGrpSpPr>
-      <p:grpSpPr>
-        <a:xfrm>
-          <a:off x="0" y="0"/>
-          <a:ext cx="0" cy="0"/>
-          <a:chOff x="0" y="0"/>
-          <a:chExt cx="0" cy="0"/>
-        </a:xfrm>
-      </p:grpSpPr>
-      <p:sp>
-        <p:nvSpPr>
-          <p:cNvPr id="2" name="Title 1"/>
-          <p:cNvSpPr>
-            <a:spLocks noGrp="1"/>
-          </p:cNvSpPr>
-          <p:nvPr>
-            <p:ph type="title"/>
-          </p:nvPr>
-        </p:nvSpPr>
-        <p:spPr/>
-        <p:txBody>
-          <a:bodyPr/>
-          <a:lstStyle/>
-          <a:p>
-            <a:r>
-              <a:rPr lang="en-US" dirty="0" smtClean="0"/>
-              <a:t>Adding Pagination </a:t>
-            </a:r>
-            <a:endParaRPr lang="en-US" dirty="0"/>
-          </a:p>
-        </p:txBody>
-      </p:sp>
-      <p:sp>
-        <p:nvSpPr>
-          <p:cNvPr id="3" name="Content Placeholder 2"/>
-          <p:cNvSpPr>
-            <a:spLocks noGrp="1"/>
-          </p:cNvSpPr>
-          <p:nvPr>
-            <p:ph idx="1"/>
-          </p:nvPr>
-        </p:nvSpPr>
-        <p:spPr/>
-        <p:txBody>
-          <a:bodyPr>
-            <a:normAutofit fontScale="85000" lnSpcReduction="20000"/>
-          </a:bodyPr>
-          <a:lstStyle/>
-          <a:p>
-            <a:r>
-              <a:rPr lang="en-US" dirty="0"/>
-              <a:t> [</a:t>
-            </a:r>
-            <a:r>
-              <a:rPr lang="en-US" dirty="0" err="1" smtClean="0"/>
-              <a:t>UsePaging</a:t>
-            </a:r>
-            <a:r>
-              <a:rPr lang="en-US" dirty="0" smtClean="0"/>
-              <a:t>] attribute </a:t>
-            </a:r>
-            <a:endParaRPr lang="en-US" dirty="0"/>
-          </a:p>
-          <a:p>
-            <a:pPr marL="0" indent="0">
-              <a:buNone/>
-            </a:pPr>
-            <a:r>
-              <a:rPr lang="en-US" dirty="0" smtClean="0"/>
-              <a:t>Pagination Query Example :</a:t>
-            </a:r>
-            <a:r>
-              <a:rPr lang="en-US" dirty="0"/>
-              <a:t/>
-            </a:r>
-            <a:br>
-              <a:rPr lang="en-US" dirty="0"/>
-            </a:br>
-            <a:r>
-              <a:rPr lang="en-US" dirty="0" smtClean="0"/>
-              <a:t>query{  posts{   </a:t>
-            </a:r>
-            <a:r>
-              <a:rPr lang="en-US" dirty="0" err="1" smtClean="0"/>
-              <a:t>totalCount</a:t>
-            </a:r>
-            <a:r>
-              <a:rPr lang="en-US" dirty="0"/>
-              <a:t>,</a:t>
-            </a:r>
-          </a:p>
-          <a:p>
-            <a:pPr marL="0" indent="0">
-              <a:buNone/>
-            </a:pPr>
-            <a:r>
-              <a:rPr lang="en-US" dirty="0"/>
-              <a:t>      </a:t>
-            </a:r>
-            <a:r>
-              <a:rPr lang="en-US" dirty="0" err="1"/>
-              <a:t>pageInfo</a:t>
-            </a:r>
-            <a:r>
-              <a:rPr lang="en-US" dirty="0"/>
-              <a:t> {</a:t>
-            </a:r>
-          </a:p>
-          <a:p>
-            <a:pPr marL="0" indent="0">
-              <a:buNone/>
-            </a:pPr>
-            <a:r>
-              <a:rPr lang="en-US" dirty="0"/>
-              <a:t>        </a:t>
-            </a:r>
-            <a:r>
-              <a:rPr lang="en-US" dirty="0" err="1" smtClean="0"/>
-              <a:t>hasNextPage</a:t>
-            </a:r>
-            <a:r>
-              <a:rPr lang="en-US" dirty="0" smtClean="0"/>
-              <a:t>, </a:t>
-            </a:r>
-            <a:r>
-              <a:rPr lang="en-US" dirty="0" err="1" smtClean="0"/>
-              <a:t>hasPreviousPage</a:t>
-            </a:r>
-            <a:endParaRPr lang="en-US" dirty="0"/>
-          </a:p>
-          <a:p>
-            <a:pPr marL="0" indent="0">
-              <a:buNone/>
-            </a:pPr>
-            <a:r>
-              <a:rPr lang="en-US" dirty="0"/>
-              <a:t>      },</a:t>
-            </a:r>
-          </a:p>
-          <a:p>
-            <a:pPr marL="0" indent="0">
-              <a:buNone/>
-            </a:pPr>
-            <a:r>
-              <a:rPr lang="en-US" dirty="0"/>
-              <a:t>      edges{</a:t>
-            </a:r>
-          </a:p>
-          <a:p>
-            <a:pPr marL="0" indent="0">
-              <a:buNone/>
-            </a:pPr>
-            <a:r>
-              <a:rPr lang="en-US" dirty="0"/>
-              <a:t>        node </a:t>
-            </a:r>
-            <a:r>
-              <a:rPr lang="en-US" dirty="0" smtClean="0"/>
-              <a:t>{ }</a:t>
-            </a:r>
-            <a:endParaRPr lang="en-US" dirty="0"/>
-          </a:p>
-          <a:p>
-            <a:pPr marL="0" indent="0">
-              <a:buNone/>
-            </a:pPr>
-            <a:r>
-              <a:rPr lang="en-US" dirty="0"/>
-              <a:t>      }</a:t>
-            </a:r>
-          </a:p>
-          <a:p>
-            <a:pPr marL="0" indent="0">
-              <a:buNone/>
-            </a:pPr>
-            <a:r>
-              <a:rPr lang="en-US" dirty="0"/>
-              <a:t>    }</a:t>
-            </a:r>
-          </a:p>
-          <a:p>
-            <a:pPr marL="0" indent="0">
-              <a:buNone/>
-            </a:pPr>
-            <a:r>
-              <a:rPr lang="en-US" dirty="0"/>
-              <a:t>}</a:t>
-            </a:r>
-          </a:p>
-        </p:txBody>
-      </p:sp>
-    </p:spTree>
-    <p:extLst>
-      <p:ext uri="{BB962C8B-B14F-4D97-AF65-F5344CB8AC3E}">
-        <p14:creationId xmlns:p14="http://schemas.microsoft.com/office/powerpoint/2010/main" val="2575371498"/>
-      </p:ext>
-    </p:extLst>
-  </p:cSld>
-  <p:clrMapOvr>
-    <a:masterClrMapping/>
-  </p:clrMapOvr>
-</p:sld>
-</file>
-
-<file path=ppt/slides/slide19.xml><?xml version="1.0" encoding="utf-8"?>
-<p:sld xmlns:a="http://schemas.openxmlformats.org/drawingml/2006/main" xmlns:r="http://schemas.openxmlformats.org/officeDocument/2006/relationships" xmlns:p="http://schemas.openxmlformats.org/presentationml/2006/main">
-  <p:cSld>
-    <p:spTree>
-      <p:nvGrpSpPr>
-        <p:cNvPr id="1" name=""/>
-        <p:cNvGrpSpPr/>
-        <p:nvPr/>
-      </p:nvGrpSpPr>
-      <p:grpSpPr>
-        <a:xfrm>
-          <a:off x="0" y="0"/>
-          <a:ext cx="0" cy="0"/>
-          <a:chOff x="0" y="0"/>
-          <a:chExt cx="0" cy="0"/>
-        </a:xfrm>
-      </p:grpSpPr>
-      <p:sp>
-        <p:nvSpPr>
-          <p:cNvPr id="2" name="Title 1"/>
-          <p:cNvSpPr>
-            <a:spLocks noGrp="1"/>
-          </p:cNvSpPr>
-          <p:nvPr>
-            <p:ph type="title"/>
-          </p:nvPr>
-        </p:nvSpPr>
-        <p:spPr/>
-        <p:txBody>
-          <a:bodyPr/>
-          <a:lstStyle/>
-          <a:p>
-            <a:r>
-              <a:rPr lang="en-US" dirty="0" smtClean="0"/>
-              <a:t>Intro For Adding Descriptors </a:t>
-            </a:r>
-            <a:endParaRPr lang="en-US" dirty="0"/>
-          </a:p>
-        </p:txBody>
-      </p:sp>
-      <p:sp>
-        <p:nvSpPr>
-          <p:cNvPr id="3" name="Content Placeholder 2"/>
-          <p:cNvSpPr>
-            <a:spLocks noGrp="1"/>
-          </p:cNvSpPr>
-          <p:nvPr>
-            <p:ph idx="1"/>
-          </p:nvPr>
-        </p:nvSpPr>
-        <p:spPr/>
-        <p:txBody>
-          <a:bodyPr>
-            <a:normAutofit/>
-          </a:bodyPr>
-          <a:lstStyle/>
-          <a:p>
-            <a:r>
-              <a:rPr lang="en-US" sz="1400" dirty="0" err="1"/>
-              <a:t>UsersDescriptor</a:t>
-            </a:r>
-            <a:r>
-              <a:rPr lang="en-US" sz="1400" dirty="0"/>
-              <a:t>: </a:t>
-            </a:r>
-            <a:r>
-              <a:rPr lang="en-US" sz="1400" dirty="0" err="1"/>
-              <a:t>ObjectType</a:t>
-            </a:r>
-            <a:r>
-              <a:rPr lang="en-US" sz="1400" dirty="0"/>
-              <a:t>&lt;</a:t>
-            </a:r>
-            <a:r>
-              <a:rPr lang="en-US" sz="1400" dirty="0" err="1"/>
-              <a:t>GQLUser</a:t>
-            </a:r>
-            <a:r>
-              <a:rPr lang="en-US" sz="1400" dirty="0" smtClean="0"/>
-              <a:t>&gt;</a:t>
-            </a:r>
-            <a:br>
-              <a:rPr lang="en-US" sz="1400" dirty="0" smtClean="0"/>
-            </a:br>
-            <a:r>
-              <a:rPr lang="en-US" sz="1400" dirty="0" smtClean="0"/>
-              <a:t/>
-            </a:r>
-            <a:br>
-              <a:rPr lang="en-US" sz="1400" dirty="0" smtClean="0"/>
-            </a:br>
-            <a:r>
-              <a:rPr lang="en-US" sz="1400" dirty="0"/>
-              <a:t>protected override void Configure(</a:t>
-            </a:r>
-            <a:r>
-              <a:rPr lang="en-US" sz="1400" dirty="0" err="1"/>
-              <a:t>IObjectTypeDescriptor</a:t>
-            </a:r>
-            <a:r>
-              <a:rPr lang="en-US" sz="1400" dirty="0"/>
-              <a:t>&lt;</a:t>
-            </a:r>
-            <a:r>
-              <a:rPr lang="en-US" sz="1400" dirty="0" err="1"/>
-              <a:t>GQLUser</a:t>
-            </a:r>
-            <a:r>
-              <a:rPr lang="en-US" sz="1400" dirty="0"/>
-              <a:t>&gt; descriptor)</a:t>
-            </a:r>
-          </a:p>
-          <a:p>
-            <a:r>
-              <a:rPr lang="en-US" sz="1400" dirty="0"/>
-              <a:t>        </a:t>
-            </a:r>
-            <a:r>
-              <a:rPr lang="en-US" sz="1400" dirty="0" smtClean="0"/>
-              <a:t>{</a:t>
-            </a:r>
-          </a:p>
-          <a:p>
-            <a:r>
-              <a:rPr lang="en-US" sz="1400" dirty="0" err="1"/>
-              <a:t>descriptor.Description</a:t>
-            </a:r>
-            <a:r>
-              <a:rPr lang="en-US" sz="1400" dirty="0" smtClean="0"/>
-              <a:t>(“………… </a:t>
-            </a:r>
-            <a:r>
-              <a:rPr lang="en-US" sz="1400" dirty="0"/>
-              <a:t>");</a:t>
-            </a:r>
-          </a:p>
-          <a:p>
-            <a:r>
-              <a:rPr lang="en-US" sz="1400" dirty="0"/>
-              <a:t>            descriptor</a:t>
-            </a:r>
-          </a:p>
-          <a:p>
-            <a:r>
-              <a:rPr lang="en-US" sz="1400" dirty="0"/>
-              <a:t>                .Field(x =&gt; </a:t>
-            </a:r>
-            <a:r>
-              <a:rPr lang="en-US" sz="1400" dirty="0" smtClean="0"/>
-              <a:t>fieldname )</a:t>
-            </a:r>
-            <a:endParaRPr lang="en-US" sz="1400" dirty="0"/>
-          </a:p>
-          <a:p>
-            <a:r>
-              <a:rPr lang="en-US" sz="1400" dirty="0"/>
-              <a:t>                .Description</a:t>
-            </a:r>
-            <a:r>
-              <a:rPr lang="en-US" sz="1400" dirty="0" smtClean="0"/>
-              <a:t>(“field Description ");</a:t>
-            </a:r>
-            <a:endParaRPr lang="en-US" sz="1400" dirty="0"/>
-          </a:p>
-          <a:p>
-            <a:r>
-              <a:rPr lang="en-US" sz="1400" dirty="0"/>
-              <a:t>            </a:t>
-            </a:r>
-            <a:r>
-              <a:rPr lang="en-US" sz="1400" dirty="0" err="1"/>
-              <a:t>descriptor.Field</a:t>
-            </a:r>
-            <a:r>
-              <a:rPr lang="en-US" sz="1400" dirty="0"/>
-              <a:t>(x </a:t>
-            </a:r>
-            <a:r>
-              <a:rPr lang="en-US" sz="1400" dirty="0" smtClean="0"/>
-              <a:t>=&gt;</a:t>
-            </a:r>
-            <a:r>
-              <a:rPr lang="en-US" sz="1400" dirty="0" err="1" smtClean="0"/>
-              <a:t>willbeignored</a:t>
-            </a:r>
-            <a:r>
-              <a:rPr lang="en-US" sz="1400" dirty="0" smtClean="0"/>
-              <a:t>).</a:t>
-            </a:r>
-            <a:r>
-              <a:rPr lang="en-US" sz="1400" dirty="0"/>
-              <a:t>Ignore();</a:t>
-            </a:r>
-          </a:p>
-          <a:p>
-            <a:r>
-              <a:rPr lang="en-US" sz="1400" dirty="0"/>
-              <a:t>        }</a:t>
-            </a:r>
-          </a:p>
-        </p:txBody>
-      </p:sp>
-    </p:spTree>
-    <p:extLst>
-      <p:ext uri="{BB962C8B-B14F-4D97-AF65-F5344CB8AC3E}">
-        <p14:creationId xmlns:p14="http://schemas.microsoft.com/office/powerpoint/2010/main" val="1042466406"/>
-      </p:ext>
-    </p:extLst>
-  </p:cSld>
-  <p:clrMapOvr>
-    <a:masterClrMapping/>
-  </p:clrMapOvr>
-</p:sld>
-</file>
-
 <file path=ppt/slides/slide2.xml><?xml version="1.0" encoding="utf-8"?>
 <p:sld xmlns:a="http://schemas.openxmlformats.org/drawingml/2006/main" xmlns:r="http://schemas.openxmlformats.org/officeDocument/2006/relationships" xmlns:p="http://schemas.openxmlformats.org/presentationml/2006/main">
   <p:cSld>
@@ -8668,15 +8350,7 @@
           <a:p>
             <a:r>
               <a:rPr lang="en-US" dirty="0" smtClean="0"/>
-              <a:t>Mutation Time  and types </a:t>
-            </a:r>
-            <a:r>
-              <a:rPr lang="en-US" dirty="0" err="1" smtClean="0"/>
-              <a:t>extention</a:t>
-            </a:r>
-            <a:r>
-              <a:rPr lang="en-US" dirty="0" smtClean="0"/>
-              <a:t>  </a:t>
+              <a:t>Adding Pagination </a:t>
             </a:r>
             <a:endParaRPr lang="en-US" dirty="0"/>
           </a:p>
@@ -8694,96 +8368,157 @@
         </p:nvSpPr>
         <p:spPr/>
         <p:txBody>
-          <a:bodyPr/>
+          <a:bodyPr>
+            <a:normAutofit fontScale="85000" lnSpcReduction="20000"/>
+          </a:bodyPr>
           <a:lstStyle/>
           <a:p>
             <a:r>
               <a:rPr lang="en-US" dirty="0"/>
-              <a:t> .</a:t>
+              <a:t> [</a:t>
             </a:r>
             <a:r>
               <a:rPr lang="en-US" dirty="0" err="1" smtClean="0"/>
-              <a:t>AddMutationType</a:t>
+              <a:t>UsePaging</a:t>
             </a:r>
             <a:r>
               <a:rPr lang="en-US" dirty="0" smtClean="0"/>
-              <a:t>&lt;</a:t>
+              <a:t>] attribute </a:t>
+            </a:r>
+            <a:endParaRPr lang="en-US" dirty="0"/>
+          </a:p>
+          <a:p>
+            <a:pPr marL="0" indent="0">
+              <a:buNone/>
+            </a:pPr>
+            <a:r>
+              <a:rPr lang="en-US" dirty="0" smtClean="0"/>
+              <a:t>Pagination Query Example :</a:t>
             </a:r>
             <a:r>
               <a:rPr lang="en-US" dirty="0"/>
-              <a:t>Mutations</a:t>
-            </a:r>
+              <a:t/>
+            </a:r>
+            <a:br>
+              <a:rPr lang="en-US" dirty="0"/>
+            </a:br>
             <a:r>
               <a:rPr lang="en-US" dirty="0" smtClean="0"/>
-              <a:t>&gt;()</a:t>
-            </a:r>
-          </a:p>
-          <a:p>
+              <a:t>query{  posts{   </a:t>
+            </a:r>
+            <a:r>
+              <a:rPr lang="en-US" dirty="0" err="1" smtClean="0"/>
+              <a:t>totalCount</a:t>
+            </a:r>
+            <a:r>
+              <a:rPr lang="en-US" dirty="0"/>
+              <a:t>,</a:t>
+            </a:r>
+          </a:p>
+          <a:p>
+            <a:pPr marL="0" indent="0">
+              <a:buNone/>
+            </a:pPr>
+            <a:r>
+              <a:rPr lang="en-US" dirty="0"/>
+              <a:t>      </a:t>
+            </a:r>
+            <a:r>
+              <a:rPr lang="en-US" dirty="0" err="1"/>
+              <a:t>pageInfo</a:t>
+            </a:r>
+            <a:r>
+              <a:rPr lang="en-US" dirty="0"/>
+              <a:t> {</a:t>
+            </a:r>
+          </a:p>
+          <a:p>
+            <a:pPr marL="0" indent="0">
+              <a:buNone/>
+            </a:pPr>
+            <a:r>
+              <a:rPr lang="en-US" dirty="0"/>
+              <a:t>        </a:t>
+            </a:r>
+            <a:r>
+              <a:rPr lang="en-US" dirty="0" err="1" smtClean="0"/>
+              <a:t>hasNextPage</a:t>
+            </a:r>
+            <a:r>
+              <a:rPr lang="en-US" dirty="0" smtClean="0"/>
+              <a:t>, </a:t>
+            </a:r>
+            <a:r>
+              <a:rPr lang="en-US" dirty="0" err="1" smtClean="0"/>
+              <a:t>hasPreviousPage</a:t>
+            </a:r>
             <a:endParaRPr lang="en-US" dirty="0"/>
           </a:p>
           <a:p>
+            <a:pPr marL="0" indent="0">
+              <a:buNone/>
+            </a:pPr>
+            <a:r>
+              <a:rPr lang="en-US" dirty="0"/>
+              <a:t>      },</a:t>
+            </a:r>
+          </a:p>
+          <a:p>
+            <a:pPr marL="0" indent="0">
+              <a:buNone/>
+            </a:pPr>
+            <a:r>
+              <a:rPr lang="en-US" dirty="0"/>
+              <a:t>      edges{</a:t>
+            </a:r>
+          </a:p>
+          <a:p>
+            <a:pPr marL="0" indent="0">
+              <a:buNone/>
+            </a:pPr>
+            <a:r>
+              <a:rPr lang="en-US" dirty="0"/>
+              <a:t>        node </a:t>
+            </a:r>
             <a:r>
               <a:rPr lang="en-US" dirty="0" smtClean="0"/>
-              <a:t>* Note Type </a:t>
-            </a:r>
-            <a:r>
-              <a:rPr lang="en-US" dirty="0" err="1" smtClean="0"/>
-              <a:t>Extentions</a:t>
-            </a:r>
-            <a:r>
-              <a:rPr lang="en-US" dirty="0" smtClean="0"/>
-              <a:t> </a:t>
-            </a:r>
-          </a:p>
-          <a:p>
-            <a:r>
-              <a:rPr lang="en-US" dirty="0" smtClean="0"/>
-              <a:t>We can extending types (Query Type Or Mutation Type By )</a:t>
-            </a:r>
-          </a:p>
-          <a:p>
+              <a:t>{ }</a:t>
+            </a:r>
+            <a:endParaRPr lang="en-US" dirty="0"/>
+          </a:p>
+          <a:p>
+            <a:pPr marL="0" indent="0">
+              <a:buNone/>
+            </a:pPr>
             <a:r>
               <a:rPr lang="en-US" dirty="0"/>
-              <a:t>[</a:t>
-            </a:r>
-            <a:r>
-              <a:rPr lang="en-US" dirty="0" err="1"/>
-              <a:t>ExtendObjectType</a:t>
-            </a:r>
+              <a:t>      }</a:t>
+            </a:r>
+          </a:p>
+          <a:p>
+            <a:pPr marL="0" indent="0">
+              <a:buNone/>
+            </a:pPr>
             <a:r>
               <a:rPr lang="en-US" dirty="0"/>
-              <a:t>(</a:t>
-            </a:r>
-            <a:r>
-              <a:rPr lang="en-US" dirty="0" err="1"/>
-              <a:t>typeof</a:t>
-            </a:r>
+              <a:t>    }</a:t>
+            </a:r>
+          </a:p>
+          <a:p>
+            <a:pPr marL="0" indent="0">
+              <a:buNone/>
+            </a:pPr>
             <a:r>
               <a:rPr lang="en-US" dirty="0"/>
-              <a:t>(</a:t>
-            </a:r>
-            <a:r>
-              <a:rPr lang="en-US" dirty="0" err="1"/>
-              <a:t>GQLQuery</a:t>
-            </a:r>
-            <a:r>
-              <a:rPr lang="en-US" dirty="0" smtClean="0"/>
-              <a:t>))] attribute </a:t>
-            </a:r>
-          </a:p>
-          <a:p>
-            <a:r>
-              <a:rPr lang="en-US" dirty="0" smtClean="0"/>
-              <a:t>But partial classes is doing the job </a:t>
-            </a:r>
-            <a:endParaRPr lang="en-US" dirty="0"/>
+              <a:t>}</a:t>
+            </a:r>
           </a:p>
         </p:txBody>
       </p:sp>
     </p:spTree>
     <p:extLst>
       <p:ext uri="{BB962C8B-B14F-4D97-AF65-F5344CB8AC3E}">
-        <p14:creationId xmlns:p14="http://schemas.microsoft.com/office/powerpoint/2010/main" val="843185869"/>
+        <p14:creationId xmlns:p14="http://schemas.microsoft.com/office/powerpoint/2010/main" val="2575371498"/>
       </p:ext>
     </p:extLst>
   </p:cSld>
@@ -8827,15 +8562,7 @@
           <a:p>
             <a:r>
               <a:rPr lang="en-US" dirty="0" smtClean="0"/>
-              <a:t>The Power Of Resolvers and </a:t>
-            </a:r>
-            <a:r>
-              <a:rPr lang="en-US" dirty="0" err="1" smtClean="0"/>
-              <a:t>DataLoaders</a:t>
-            </a:r>
-            <a:r>
-              <a:rPr lang="en-US" dirty="0" smtClean="0"/>
-              <a:t> </a:t>
+              <a:t>Intro For Adding Descriptors </a:t>
             </a:r>
             <a:endParaRPr lang="en-US" dirty="0"/>
           </a:p>
@@ -8853,73 +8580,160 @@
         </p:nvSpPr>
         <p:spPr/>
         <p:txBody>
-          <a:bodyPr/>
+          <a:bodyPr>
+            <a:normAutofit/>
+          </a:bodyPr>
           <a:lstStyle/>
           <a:p>
             <a:r>
-              <a:rPr lang="en-US" dirty="0"/>
-              <a:t>Modifying the User </a:t>
-            </a:r>
-            <a:r>
-              <a:rPr lang="en-US" dirty="0" smtClean="0"/>
-              <a:t>Model with custom Field resolver Nationality.</a:t>
-            </a:r>
-          </a:p>
-          <a:p>
-            <a:r>
-              <a:rPr lang="en-US" dirty="0" smtClean="0"/>
-              <a:t>Modifying the User Model With Data From external source Weather </a:t>
-            </a:r>
-          </a:p>
-          <a:p>
-            <a:r>
-              <a:rPr lang="en-US" dirty="0" smtClean="0"/>
-              <a:t>Adding second web </a:t>
-            </a:r>
-            <a:r>
-              <a:rPr lang="en-US" dirty="0" err="1" smtClean="0"/>
-              <a:t>api</a:t>
-            </a:r>
-            <a:r>
-              <a:rPr lang="en-US" dirty="0" smtClean="0"/>
-              <a:t> project as microservice simulation example ,</a:t>
-            </a:r>
-          </a:p>
-          <a:p>
-            <a:r>
-              <a:rPr lang="en-US" dirty="0" smtClean="0"/>
-              <a:t>Extending the users with a property that has an async data loader</a:t>
-            </a:r>
-          </a:p>
-          <a:p>
-            <a:r>
-              <a:rPr lang="en-US" dirty="0" smtClean="0"/>
-              <a:t>A powerful </a:t>
-            </a:r>
-            <a:r>
-              <a:rPr lang="en-US" dirty="0" err="1" smtClean="0"/>
-              <a:t>LoadBatchAsync</a:t>
-            </a:r>
-            <a:r>
-              <a:rPr lang="en-US" dirty="0" smtClean="0"/>
-              <a:t> implantation is  that well reduce the calls as much as possible in our case GQL will make only one async call to resolve the property for all queries .</a:t>
-            </a:r>
-          </a:p>
-          <a:p>
-            <a:r>
-              <a:rPr lang="en-US" dirty="0" smtClean="0"/>
-              <a:t> not in GQL Cloud we can mark a property directly as @Lambda to fetch a property directly from API .</a:t>
-            </a:r>
-          </a:p>
-          <a:p>
-            <a:endParaRPr lang="en-US" dirty="0"/>
+              <a:rPr lang="en-US" sz="1400" dirty="0" err="1"/>
+              <a:t>UsersDescriptor</a:t>
+            </a:r>
+            <a:r>
+              <a:rPr lang="en-US" sz="1400" dirty="0"/>
+              <a:t>: </a:t>
+            </a:r>
+            <a:r>
+              <a:rPr lang="en-US" sz="1400" dirty="0" err="1"/>
+              <a:t>ObjectType</a:t>
+            </a:r>
+            <a:r>
+              <a:rPr lang="en-US" sz="1400" dirty="0"/>
+              <a:t>&lt;</a:t>
+            </a:r>
+            <a:r>
+              <a:rPr lang="en-US" sz="1400" dirty="0" err="1"/>
+              <a:t>GQLUser</a:t>
+            </a:r>
+            <a:r>
+              <a:rPr lang="en-US" sz="1400" dirty="0" smtClean="0"/>
+              <a:t>&gt;</a:t>
+            </a:r>
+            <a:br>
+              <a:rPr lang="en-US" sz="1400" dirty="0" smtClean="0"/>
+            </a:br>
+            <a:r>
+              <a:rPr lang="en-US" sz="1400" dirty="0" smtClean="0"/>
+              <a:t/>
+            </a:r>
+            <a:br>
+              <a:rPr lang="en-US" sz="1400" dirty="0" smtClean="0"/>
+            </a:br>
+            <a:r>
+              <a:rPr lang="en-US" sz="1400" dirty="0"/>
+              <a:t>protected override void Configure(</a:t>
+            </a:r>
+            <a:r>
+              <a:rPr lang="en-US" sz="1400" dirty="0" err="1"/>
+              <a:t>IObjectTypeDescriptor</a:t>
+            </a:r>
+            <a:r>
+              <a:rPr lang="en-US" sz="1400" dirty="0"/>
+              <a:t>&lt;</a:t>
+            </a:r>
+            <a:r>
+              <a:rPr lang="en-US" sz="1400" dirty="0" err="1"/>
+              <a:t>GQLUser</a:t>
+            </a:r>
+            <a:r>
+              <a:rPr lang="en-US" sz="1400" dirty="0"/>
+              <a:t>&gt; descriptor)</a:t>
+            </a:r>
+          </a:p>
+          <a:p>
+            <a:r>
+              <a:rPr lang="en-US" sz="1400" dirty="0"/>
+              <a:t>        </a:t>
+            </a:r>
+            <a:r>
+              <a:rPr lang="en-US" sz="1400" dirty="0" smtClean="0"/>
+              <a:t>{</a:t>
+            </a:r>
+          </a:p>
+          <a:p>
+            <a:r>
+              <a:rPr lang="en-US" sz="1400" dirty="0" err="1"/>
+              <a:t>descriptor.Description</a:t>
+            </a:r>
+            <a:r>
+              <a:rPr lang="en-US" sz="1400" dirty="0" smtClean="0"/>
+              <a:t>(“………… </a:t>
+            </a:r>
+            <a:r>
+              <a:rPr lang="en-US" sz="1400" dirty="0"/>
+              <a:t>");</a:t>
+            </a:r>
+          </a:p>
+          <a:p>
+            <a:r>
+              <a:rPr lang="en-US" sz="1400" dirty="0"/>
+              <a:t>            descriptor</a:t>
+            </a:r>
+          </a:p>
+          <a:p>
+            <a:r>
+              <a:rPr lang="en-US" sz="1400" dirty="0"/>
+              <a:t>                .Field(x =&gt; </a:t>
+            </a:r>
+            <a:r>
+              <a:rPr lang="en-US" sz="1400" dirty="0" smtClean="0"/>
+              <a:t>fieldname )</a:t>
+            </a:r>
+            <a:endParaRPr lang="en-US" sz="1400" dirty="0"/>
+          </a:p>
+          <a:p>
+            <a:r>
+              <a:rPr lang="en-US" sz="1400" dirty="0"/>
+              <a:t>                .Description</a:t>
+            </a:r>
+            <a:r>
+              <a:rPr lang="en-US" sz="1400" dirty="0" smtClean="0"/>
+              <a:t>(“field Description ");</a:t>
+            </a:r>
+            <a:endParaRPr lang="en-US" sz="1400" dirty="0"/>
+          </a:p>
+          <a:p>
+            <a:r>
+              <a:rPr lang="en-US" sz="1400" dirty="0"/>
+              <a:t>            </a:t>
+            </a:r>
+            <a:r>
+              <a:rPr lang="en-US" sz="1400" dirty="0" err="1"/>
+              <a:t>descriptor.Field</a:t>
+            </a:r>
+            <a:r>
+              <a:rPr lang="en-US" sz="1400" dirty="0"/>
+              <a:t>(x </a:t>
+            </a:r>
+            <a:r>
+              <a:rPr lang="en-US" sz="1400" dirty="0" smtClean="0"/>
+              <a:t>=&gt;</a:t>
+            </a:r>
+            <a:r>
+              <a:rPr lang="en-US" sz="1400" dirty="0" err="1" smtClean="0"/>
+              <a:t>willbeignored</a:t>
+            </a:r>
+            <a:r>
+              <a:rPr lang="en-US" sz="1400" dirty="0" smtClean="0"/>
+              <a:t>).</a:t>
+            </a:r>
+            <a:r>
+              <a:rPr lang="en-US" sz="1400" dirty="0"/>
+              <a:t>Ignore();</a:t>
+            </a:r>
+          </a:p>
+          <a:p>
+            <a:r>
+              <a:rPr lang="en-US" sz="1400" dirty="0"/>
+              <a:t>        }</a:t>
+            </a:r>
           </a:p>
         </p:txBody>
       </p:sp>
     </p:spTree>
     <p:extLst>
       <p:ext uri="{BB962C8B-B14F-4D97-AF65-F5344CB8AC3E}">
-        <p14:creationId xmlns:p14="http://schemas.microsoft.com/office/powerpoint/2010/main" val="3030753898"/>
+        <p14:creationId xmlns:p14="http://schemas.microsoft.com/office/powerpoint/2010/main" val="1042466406"/>
       </p:ext>
     </p:extLst>
   </p:cSld>
@@ -8963,25 +8777,17 @@
           <a:p>
             <a:r>
               <a:rPr lang="en-US" dirty="0" smtClean="0"/>
-              <a:t>Subscriptions : </a:t>
-            </a:r>
-            <a:r>
-              <a:rPr lang="en-US" sz="2800" dirty="0"/>
-              <a:t>A</a:t>
-            </a:r>
-            <a:r>
-              <a:rPr lang="en-US" sz="2800" dirty="0" smtClean="0"/>
-              <a:t>n other very powerful feature of </a:t>
-            </a:r>
-            <a:r>
-              <a:rPr lang="en-US" sz="2800" dirty="0"/>
-              <a:t>G</a:t>
-            </a:r>
-            <a:r>
-              <a:rPr lang="en-US" sz="2800" dirty="0" smtClean="0"/>
-              <a:t>raph QL  </a:t>
-            </a:r>
-            <a:endParaRPr lang="en-US" sz="2800" dirty="0"/>
+              <a:t>Mutation Time  and types </a:t>
+            </a:r>
+            <a:r>
+              <a:rPr lang="en-US" dirty="0" err="1" smtClean="0"/>
+              <a:t>extention</a:t>
+            </a:r>
+            <a:r>
+              <a:rPr lang="en-US" dirty="0" smtClean="0"/>
+              <a:t>  </a:t>
+            </a:r>
+            <a:endParaRPr lang="en-US" dirty="0"/>
           </a:p>
         </p:txBody>
       </p:sp>
@@ -8997,85 +8803,88 @@
         </p:nvSpPr>
         <p:spPr/>
         <p:txBody>
-          <a:bodyPr>
-            <a:normAutofit fontScale="77500" lnSpcReduction="20000"/>
-          </a:bodyPr>
+          <a:bodyPr/>
           <a:lstStyle/>
           <a:p>
             <a:r>
               <a:rPr lang="en-US" dirty="0"/>
-              <a:t>S</a:t>
+              <a:t> .</a:t>
+            </a:r>
+            <a:r>
+              <a:rPr lang="en-US" dirty="0" err="1" smtClean="0"/>
+              <a:t>AddMutationType</a:t>
             </a:r>
             <a:r>
               <a:rPr lang="en-US" dirty="0" smtClean="0"/>
-              <a:t>ubscriptions </a:t>
+              <a:t>&lt;</a:t>
             </a:r>
             <a:r>
               <a:rPr lang="en-US" dirty="0"/>
-              <a:t>are long-lasting operations that can change their result over time. They can maintain an active connection to your </a:t>
+              <a:t>Mutations</a:t>
+            </a:r>
+            <a:r>
+              <a:rPr lang="en-US" dirty="0" smtClean="0"/>
+              <a:t>&gt;()</a:t>
+            </a:r>
+          </a:p>
+          <a:p>
+            <a:endParaRPr lang="en-US" dirty="0"/>
+          </a:p>
+          <a:p>
+            <a:r>
+              <a:rPr lang="en-US" dirty="0" smtClean="0"/>
+              <a:t>* Note Type </a:t>
+            </a:r>
+            <a:r>
+              <a:rPr lang="en-US" dirty="0" err="1" smtClean="0"/>
+              <a:t>Extentions</a:t>
+            </a:r>
+            <a:r>
+              <a:rPr lang="en-US" dirty="0" smtClean="0"/>
+              <a:t> </a:t>
+            </a:r>
+          </a:p>
+          <a:p>
+            <a:r>
+              <a:rPr lang="en-US" dirty="0" smtClean="0"/>
+              <a:t>We can extending types (Query Type Or Mutation Type By )</a:t>
+            </a:r>
+          </a:p>
+          <a:p>
+            <a:r>
+              <a:rPr lang="en-US" dirty="0"/>
+              <a:t>[</a:t>
             </a:r>
             <a:r>
               <a:rPr lang="en-US" dirty="0" err="1"/>
-              <a:t>GraphQL</a:t>
+              <a:t>ExtendObjectType</a:t>
             </a:r>
             <a:r>
               <a:rPr lang="en-US" dirty="0"/>
-              <a:t> server (most commonly via </a:t>
+              <a:t>(</a:t>
             </a:r>
             <a:r>
               <a:rPr lang="en-US" dirty="0" err="1"/>
-              <a:t>WebSocket</a:t>
+              <a:t>typeof</a:t>
             </a:r>
             <a:r>
               <a:rPr lang="en-US" dirty="0"/>
-              <a:t>), enabling the server to push updates to the subscription's result.</a:t>
-            </a:r>
-          </a:p>
-          <a:p>
-            <a:r>
-              <a:rPr lang="en-US" dirty="0"/>
-              <a:t>Subscriptions are useful for notifying your client in real time about changes to back-end data, such as the creation of a new object or updates to an important field.</a:t>
-            </a:r>
-          </a:p>
-          <a:p>
-            <a:r>
-              <a:rPr lang="en-US" b="1" dirty="0">
-                <a:hlinkClick r:id="rId2"/>
-              </a:rPr>
-              <a:t>When to use subscriptions</a:t>
-            </a:r>
-            <a:endParaRPr lang="en-US" b="1" dirty="0"/>
-          </a:p>
-          <a:p>
-            <a:r>
-              <a:rPr lang="en-US" b="1" dirty="0"/>
-              <a:t>Small, incremental changes to large objects</a:t>
-            </a:r>
-            <a:r>
-              <a:rPr lang="en-US" dirty="0"/>
-              <a:t>. Repeatedly polling for a large object is expensive, especially when most of the object's fields rarely change. Instead, you can fetch the object's initial state with a query, and your server can proactively push updates to individual fields as they occur.</a:t>
-            </a:r>
-          </a:p>
-          <a:p>
-            <a:r>
-              <a:rPr lang="en-US" b="1" dirty="0"/>
-              <a:t>Low-latency, real-time updates</a:t>
-            </a:r>
-            <a:r>
-              <a:rPr lang="en-US" dirty="0"/>
-              <a:t>. For example, a chat application's client wants to receive new messages as soon as they're available.</a:t>
-            </a:r>
-          </a:p>
-          <a:p>
+              <a:t>(</a:t>
+            </a:r>
+            <a:r>
+              <a:rPr lang="en-US" dirty="0" err="1"/>
+              <a:t>GQLQuery</a:t>
+            </a:r>
             <a:r>
               <a:rPr lang="en-US" dirty="0" smtClean="0"/>
-              <a:t>And the alternative is Pooling Technique by WatchQuery or Query with pollInterval ** we be discussed later .</a:t>
-            </a:r>
-          </a:p>
-          <a:p>
-            <a:pPr marL="0" indent="0">
-              <a:buNone/>
-            </a:pPr>
+              <a:t>))] attribute </a:t>
+            </a:r>
+          </a:p>
+          <a:p>
+            <a:r>
+              <a:rPr lang="en-US" dirty="0" smtClean="0"/>
+              <a:t>But partial classes is doing the job </a:t>
+            </a:r>
             <a:endParaRPr lang="en-US" dirty="0"/>
           </a:p>
         </p:txBody>
@@ -9083,7 +8892,7 @@
     </p:spTree>
     <p:extLst>
       <p:ext uri="{BB962C8B-B14F-4D97-AF65-F5344CB8AC3E}">
-        <p14:creationId xmlns:p14="http://schemas.microsoft.com/office/powerpoint/2010/main" val="3144378558"/>
+        <p14:creationId xmlns:p14="http://schemas.microsoft.com/office/powerpoint/2010/main" val="843185869"/>
       </p:ext>
     </p:extLst>
   </p:cSld>
@@ -9127,6 +8936,306 @@
           <a:p>
             <a:r>
               <a:rPr lang="en-US" dirty="0" smtClean="0"/>
+              <a:t>The Power Of Resolvers and </a:t>
+            </a:r>
+            <a:r>
+              <a:rPr lang="en-US" dirty="0" err="1" smtClean="0"/>
+              <a:t>DataLoaders</a:t>
+            </a:r>
+            <a:r>
+              <a:rPr lang="en-US" dirty="0" smtClean="0"/>
+              <a:t> </a:t>
+            </a:r>
+            <a:endParaRPr lang="en-US" dirty="0"/>
+          </a:p>
+        </p:txBody>
+      </p:sp>
+      <p:sp>
+        <p:nvSpPr>
+          <p:cNvPr id="3" name="Content Placeholder 2"/>
+          <p:cNvSpPr>
+            <a:spLocks noGrp="1"/>
+          </p:cNvSpPr>
+          <p:nvPr>
+            <p:ph idx="1"/>
+          </p:nvPr>
+        </p:nvSpPr>
+        <p:spPr/>
+        <p:txBody>
+          <a:bodyPr/>
+          <a:lstStyle/>
+          <a:p>
+            <a:r>
+              <a:rPr lang="en-US" dirty="0"/>
+              <a:t>Modifying the User </a:t>
+            </a:r>
+            <a:r>
+              <a:rPr lang="en-US" dirty="0" smtClean="0"/>
+              <a:t>Model with custom Field resolver Nationality.</a:t>
+            </a:r>
+          </a:p>
+          <a:p>
+            <a:r>
+              <a:rPr lang="en-US" dirty="0" smtClean="0"/>
+              <a:t>Modifying the User Model With Data From external source Weather </a:t>
+            </a:r>
+          </a:p>
+          <a:p>
+            <a:r>
+              <a:rPr lang="en-US" dirty="0" smtClean="0"/>
+              <a:t>Adding second web </a:t>
+            </a:r>
+            <a:r>
+              <a:rPr lang="en-US" dirty="0" err="1" smtClean="0"/>
+              <a:t>api</a:t>
+            </a:r>
+            <a:r>
+              <a:rPr lang="en-US" dirty="0" smtClean="0"/>
+              <a:t> project as microservice simulation example ,</a:t>
+            </a:r>
+          </a:p>
+          <a:p>
+            <a:r>
+              <a:rPr lang="en-US" dirty="0" smtClean="0"/>
+              <a:t>Extending the users with a property that has an async data loader</a:t>
+            </a:r>
+          </a:p>
+          <a:p>
+            <a:r>
+              <a:rPr lang="en-US" dirty="0" smtClean="0"/>
+              <a:t>A powerful </a:t>
+            </a:r>
+            <a:r>
+              <a:rPr lang="en-US" dirty="0" err="1" smtClean="0"/>
+              <a:t>LoadBatchAsync</a:t>
+            </a:r>
+            <a:r>
+              <a:rPr lang="en-US" dirty="0" smtClean="0"/>
+              <a:t> implantation is  that well reduce the calls as much as possible in our case GQL will make only one async call to resolve the property for all queries .</a:t>
+            </a:r>
+          </a:p>
+          <a:p>
+            <a:r>
+              <a:rPr lang="en-US" dirty="0" smtClean="0"/>
+              <a:t> not in GQL Cloud we can mark a property directly as @Lambda to fetch a property directly from API .</a:t>
+            </a:r>
+          </a:p>
+          <a:p>
+            <a:endParaRPr lang="en-US" dirty="0"/>
+          </a:p>
+        </p:txBody>
+      </p:sp>
+    </p:spTree>
+    <p:extLst>
+      <p:ext uri="{BB962C8B-B14F-4D97-AF65-F5344CB8AC3E}">
+        <p14:creationId xmlns:p14="http://schemas.microsoft.com/office/powerpoint/2010/main" val="3030753898"/>
+      </p:ext>
+    </p:extLst>
+  </p:cSld>
+  <p:clrMapOvr>
+    <a:masterClrMapping/>
+  </p:clrMapOvr>
+</p:sld>
+</file>
+
+<file path=ppt/slides/slide24.xml><?xml version="1.0" encoding="utf-8"?>
+<p:sld xmlns:a="http://schemas.openxmlformats.org/drawingml/2006/main" xmlns:r="http://schemas.openxmlformats.org/officeDocument/2006/relationships" xmlns:p="http://schemas.openxmlformats.org/presentationml/2006/main">
+  <p:cSld>
+    <p:spTree>
+      <p:nvGrpSpPr>
+        <p:cNvPr id="1" name=""/>
+        <p:cNvGrpSpPr/>
+        <p:nvPr/>
+      </p:nvGrpSpPr>
+      <p:grpSpPr>
+        <a:xfrm>
+          <a:off x="0" y="0"/>
+          <a:ext cx="0" cy="0"/>
+          <a:chOff x="0" y="0"/>
+          <a:chExt cx="0" cy="0"/>
+        </a:xfrm>
+      </p:grpSpPr>
+      <p:sp>
+        <p:nvSpPr>
+          <p:cNvPr id="2" name="Title 1"/>
+          <p:cNvSpPr>
+            <a:spLocks noGrp="1"/>
+          </p:cNvSpPr>
+          <p:nvPr>
+            <p:ph type="title"/>
+          </p:nvPr>
+        </p:nvSpPr>
+        <p:spPr/>
+        <p:txBody>
+          <a:bodyPr/>
+          <a:lstStyle/>
+          <a:p>
+            <a:r>
+              <a:rPr lang="en-US" dirty="0" smtClean="0"/>
+              <a:t>Subscriptions : </a:t>
+            </a:r>
+            <a:r>
+              <a:rPr lang="en-US" sz="2800" dirty="0"/>
+              <a:t>A</a:t>
+            </a:r>
+            <a:r>
+              <a:rPr lang="en-US" sz="2800" dirty="0" smtClean="0"/>
+              <a:t>n other very powerful feature of </a:t>
+            </a:r>
+            <a:r>
+              <a:rPr lang="en-US" sz="2800" dirty="0"/>
+              <a:t>G</a:t>
+            </a:r>
+            <a:r>
+              <a:rPr lang="en-US" sz="2800" dirty="0" smtClean="0"/>
+              <a:t>raph QL  </a:t>
+            </a:r>
+            <a:endParaRPr lang="en-US" sz="2800" dirty="0"/>
+          </a:p>
+        </p:txBody>
+      </p:sp>
+      <p:sp>
+        <p:nvSpPr>
+          <p:cNvPr id="3" name="Content Placeholder 2"/>
+          <p:cNvSpPr>
+            <a:spLocks noGrp="1"/>
+          </p:cNvSpPr>
+          <p:nvPr>
+            <p:ph idx="1"/>
+          </p:nvPr>
+        </p:nvSpPr>
+        <p:spPr/>
+        <p:txBody>
+          <a:bodyPr>
+            <a:normAutofit fontScale="77500" lnSpcReduction="20000"/>
+          </a:bodyPr>
+          <a:lstStyle/>
+          <a:p>
+            <a:r>
+              <a:rPr lang="en-US" dirty="0"/>
+              <a:t>S</a:t>
+            </a:r>
+            <a:r>
+              <a:rPr lang="en-US" dirty="0" smtClean="0"/>
+              <a:t>ubscriptions </a:t>
+            </a:r>
+            <a:r>
+              <a:rPr lang="en-US" dirty="0"/>
+              <a:t>are long-lasting operations that can change their result over time. They can maintain an active connection to your </a:t>
+            </a:r>
+            <a:r>
+              <a:rPr lang="en-US" dirty="0" err="1"/>
+              <a:t>GraphQL</a:t>
+            </a:r>
+            <a:r>
+              <a:rPr lang="en-US" dirty="0"/>
+              <a:t> server (most commonly via </a:t>
+            </a:r>
+            <a:r>
+              <a:rPr lang="en-US" dirty="0" err="1"/>
+              <a:t>WebSocket</a:t>
+            </a:r>
+            <a:r>
+              <a:rPr lang="en-US" dirty="0"/>
+              <a:t>), enabling the server to push updates to the subscription's result.</a:t>
+            </a:r>
+          </a:p>
+          <a:p>
+            <a:r>
+              <a:rPr lang="en-US" dirty="0"/>
+              <a:t>Subscriptions are useful for notifying your client in real time about changes to back-end data, such as the creation of a new object or updates to an important field.</a:t>
+            </a:r>
+          </a:p>
+          <a:p>
+            <a:r>
+              <a:rPr lang="en-US" b="1" dirty="0">
+                <a:hlinkClick r:id="rId2"/>
+              </a:rPr>
+              <a:t>When to use subscriptions</a:t>
+            </a:r>
+            <a:endParaRPr lang="en-US" b="1" dirty="0"/>
+          </a:p>
+          <a:p>
+            <a:r>
+              <a:rPr lang="en-US" b="1" dirty="0"/>
+              <a:t>Small, incremental changes to large objects</a:t>
+            </a:r>
+            <a:r>
+              <a:rPr lang="en-US" dirty="0"/>
+              <a:t>. Repeatedly polling for a large object is expensive, especially when most of the object's fields rarely change. Instead, you can fetch the object's initial state with a query, and your server can proactively push updates to individual fields as they occur.</a:t>
+            </a:r>
+          </a:p>
+          <a:p>
+            <a:r>
+              <a:rPr lang="en-US" b="1" dirty="0"/>
+              <a:t>Low-latency, real-time updates</a:t>
+            </a:r>
+            <a:r>
+              <a:rPr lang="en-US" dirty="0"/>
+              <a:t>. For example, a chat application's client wants to receive new messages as soon as they're available.</a:t>
+            </a:r>
+          </a:p>
+          <a:p>
+            <a:r>
+              <a:rPr lang="en-US" dirty="0" smtClean="0"/>
+              <a:t>And the alternative is Pooling Technique by WatchQuery or Query with pollInterval ** we be discussed later .</a:t>
+            </a:r>
+          </a:p>
+          <a:p>
+            <a:pPr marL="0" indent="0">
+              <a:buNone/>
+            </a:pPr>
+            <a:endParaRPr lang="en-US" dirty="0"/>
+          </a:p>
+        </p:txBody>
+      </p:sp>
+    </p:spTree>
+    <p:extLst>
+      <p:ext uri="{BB962C8B-B14F-4D97-AF65-F5344CB8AC3E}">
+        <p14:creationId xmlns:p14="http://schemas.microsoft.com/office/powerpoint/2010/main" val="3144378558"/>
+      </p:ext>
+    </p:extLst>
+  </p:cSld>
+  <p:clrMapOvr>
+    <a:masterClrMapping/>
+  </p:clrMapOvr>
+</p:sld>
+</file>
+
+<file path=ppt/slides/slide25.xml><?xml version="1.0" encoding="utf-8"?>
+<p:sld xmlns:a="http://schemas.openxmlformats.org/drawingml/2006/main" xmlns:r="http://schemas.openxmlformats.org/officeDocument/2006/relationships" xmlns:p="http://schemas.openxmlformats.org/presentationml/2006/main">
+  <p:cSld>
+    <p:spTree>
+      <p:nvGrpSpPr>
+        <p:cNvPr id="1" name=""/>
+        <p:cNvGrpSpPr/>
+        <p:nvPr/>
+      </p:nvGrpSpPr>
+      <p:grpSpPr>
+        <a:xfrm>
+          <a:off x="0" y="0"/>
+          <a:ext cx="0" cy="0"/>
+          <a:chOff x="0" y="0"/>
+          <a:chExt cx="0" cy="0"/>
+        </a:xfrm>
+      </p:grpSpPr>
+      <p:sp>
+        <p:nvSpPr>
+          <p:cNvPr id="2" name="Title 1"/>
+          <p:cNvSpPr>
+            <a:spLocks noGrp="1"/>
+          </p:cNvSpPr>
+          <p:nvPr>
+            <p:ph type="title"/>
+          </p:nvPr>
+        </p:nvSpPr>
+        <p:spPr/>
+        <p:txBody>
+          <a:bodyPr/>
+          <a:lstStyle/>
+          <a:p>
+            <a:r>
+              <a:rPr lang="en-US" dirty="0" smtClean="0"/>
               <a:t>Clients : Time For Client side </a:t>
             </a:r>
             <a:r>
@@ -9255,7 +9364,7 @@
 </p:sld>
 </file>
 
-<file path=ppt/slides/slide24.xml><?xml version="1.0" encoding="utf-8"?>
+<file path=ppt/slides/slide26.xml><?xml version="1.0" encoding="utf-8"?>
 <p:sld xmlns:a="http://schemas.openxmlformats.org/drawingml/2006/main" xmlns:r="http://schemas.openxmlformats.org/officeDocument/2006/relationships" xmlns:p="http://schemas.openxmlformats.org/presentationml/2006/main">
   <p:cSld>
     <p:spTree>
@@ -9399,6 +9508,773 @@
           <a:lstStyle/>
           <a:p>
             <a:r>
+              <a:rPr lang="en-US" dirty="0" smtClean="0"/>
+              <a:t>Traditional API Data Fetching </a:t>
+            </a:r>
+            <a:endParaRPr lang="en-US" dirty="0"/>
+          </a:p>
+        </p:txBody>
+      </p:sp>
+      <p:sp>
+        <p:nvSpPr>
+          <p:cNvPr id="5" name="Content Placeholder 4"/>
+          <p:cNvSpPr>
+            <a:spLocks noGrp="1"/>
+          </p:cNvSpPr>
+          <p:nvPr>
+            <p:ph idx="1"/>
+          </p:nvPr>
+        </p:nvSpPr>
+        <p:spPr>
+          <a:xfrm>
+            <a:off x="209026" y="1712680"/>
+            <a:ext cx="6820948" cy="4822344"/>
+          </a:xfrm>
+        </p:spPr>
+        <p:txBody>
+          <a:bodyPr/>
+          <a:lstStyle/>
+          <a:p>
+            <a:endParaRPr lang="en-US" dirty="0"/>
+          </a:p>
+        </p:txBody>
+      </p:sp>
+      <p:sp>
+        <p:nvSpPr>
+          <p:cNvPr id="6" name="Content Placeholder 4"/>
+          <p:cNvSpPr txBox="1">
+            <a:spLocks/>
+          </p:cNvSpPr>
+          <p:nvPr/>
+        </p:nvSpPr>
+        <p:spPr>
+          <a:xfrm>
+            <a:off x="6383323" y="1690688"/>
+            <a:ext cx="5235429" cy="4822344"/>
+          </a:xfrm>
+          <a:prstGeom prst="rect">
+            <a:avLst/>
+          </a:prstGeom>
+        </p:spPr>
+        <p:txBody>
+          <a:bodyPr vert="horz" lIns="91440" tIns="45720" rIns="91440" bIns="45720" rtlCol="0">
+            <a:normAutofit/>
+          </a:bodyPr>
+          <a:lstStyle>
+            <a:lvl1pPr marL="228600" indent="-228600" algn="l" defTabSz="914400" rtl="0" eaLnBrk="1" latinLnBrk="0" hangingPunct="1">
+              <a:lnSpc>
+                <a:spcPct val="90000"/>
+              </a:lnSpc>
+              <a:spcBef>
+                <a:spcPts val="1000"/>
+              </a:spcBef>
+              <a:buFont typeface="Arial" panose="020B0604020202020204" pitchFamily="34" charset="0"/>
+              <a:buChar char="•"/>
+              <a:defRPr sz="2800" kern="1200">
+                <a:solidFill>
+                  <a:schemeClr val="tx1"/>
+                </a:solidFill>
+                <a:latin typeface="+mn-lt"/>
+                <a:ea typeface="+mn-ea"/>
+                <a:cs typeface="+mn-cs"/>
+              </a:defRPr>
+            </a:lvl1pPr>
+            <a:lvl2pPr marL="685800" indent="-228600" algn="l" defTabSz="914400" rtl="0" eaLnBrk="1" latinLnBrk="0" hangingPunct="1">
+              <a:lnSpc>
+                <a:spcPct val="90000"/>
+              </a:lnSpc>
+              <a:spcBef>
+                <a:spcPts val="500"/>
+              </a:spcBef>
+              <a:buFont typeface="Arial" panose="020B0604020202020204" pitchFamily="34" charset="0"/>
+              <a:buChar char="•"/>
+              <a:defRPr sz="2400" kern="1200">
+                <a:solidFill>
+                  <a:schemeClr val="tx1"/>
+                </a:solidFill>
+                <a:latin typeface="+mn-lt"/>
+                <a:ea typeface="+mn-ea"/>
+                <a:cs typeface="+mn-cs"/>
+              </a:defRPr>
+            </a:lvl2pPr>
+            <a:lvl3pPr marL="1143000" indent="-228600" algn="l" defTabSz="914400" rtl="0" eaLnBrk="1" latinLnBrk="0" hangingPunct="1">
+              <a:lnSpc>
+                <a:spcPct val="90000"/>
+              </a:lnSpc>
+              <a:spcBef>
+                <a:spcPts val="500"/>
+              </a:spcBef>
+              <a:buFont typeface="Arial" panose="020B0604020202020204" pitchFamily="34" charset="0"/>
+              <a:buChar char="•"/>
+              <a:defRPr sz="2000" kern="1200">
+                <a:solidFill>
+                  <a:schemeClr val="tx1"/>
+                </a:solidFill>
+                <a:latin typeface="+mn-lt"/>
+                <a:ea typeface="+mn-ea"/>
+                <a:cs typeface="+mn-cs"/>
+              </a:defRPr>
+            </a:lvl3pPr>
+            <a:lvl4pPr marL="1600200" indent="-228600" algn="l" defTabSz="914400" rtl="0" eaLnBrk="1" latinLnBrk="0" hangingPunct="1">
+              <a:lnSpc>
+                <a:spcPct val="90000"/>
+              </a:lnSpc>
+              <a:spcBef>
+                <a:spcPts val="500"/>
+              </a:spcBef>
+              <a:buFont typeface="Arial" panose="020B0604020202020204" pitchFamily="34" charset="0"/>
+              <a:buChar char="•"/>
+              <a:defRPr sz="1800" kern="1200">
+                <a:solidFill>
+                  <a:schemeClr val="tx1"/>
+                </a:solidFill>
+                <a:latin typeface="+mn-lt"/>
+                <a:ea typeface="+mn-ea"/>
+                <a:cs typeface="+mn-cs"/>
+              </a:defRPr>
+            </a:lvl4pPr>
+            <a:lvl5pPr marL="2057400" indent="-228600" algn="l" defTabSz="914400" rtl="0" eaLnBrk="1" latinLnBrk="0" hangingPunct="1">
+              <a:lnSpc>
+                <a:spcPct val="90000"/>
+              </a:lnSpc>
+              <a:spcBef>
+                <a:spcPts val="500"/>
+              </a:spcBef>
+              <a:buFont typeface="Arial" panose="020B0604020202020204" pitchFamily="34" charset="0"/>
+              <a:buChar char="•"/>
+              <a:defRPr sz="1800" kern="1200">
+                <a:solidFill>
+                  <a:schemeClr val="tx1"/>
+                </a:solidFill>
+                <a:latin typeface="+mn-lt"/>
+                <a:ea typeface="+mn-ea"/>
+                <a:cs typeface="+mn-cs"/>
+              </a:defRPr>
+            </a:lvl5pPr>
+            <a:lvl6pPr marL="2514600" indent="-228600" algn="l" defTabSz="914400" rtl="0" eaLnBrk="1" latinLnBrk="0" hangingPunct="1">
+              <a:lnSpc>
+                <a:spcPct val="90000"/>
+              </a:lnSpc>
+              <a:spcBef>
+                <a:spcPts val="500"/>
+              </a:spcBef>
+              <a:buFont typeface="Arial" panose="020B0604020202020204" pitchFamily="34" charset="0"/>
+              <a:buChar char="•"/>
+              <a:defRPr sz="1800" kern="1200">
+                <a:solidFill>
+                  <a:schemeClr val="tx1"/>
+                </a:solidFill>
+                <a:latin typeface="+mn-lt"/>
+                <a:ea typeface="+mn-ea"/>
+                <a:cs typeface="+mn-cs"/>
+              </a:defRPr>
+            </a:lvl6pPr>
+            <a:lvl7pPr marL="2971800" indent="-228600" algn="l" defTabSz="914400" rtl="0" eaLnBrk="1" latinLnBrk="0" hangingPunct="1">
+              <a:lnSpc>
+                <a:spcPct val="90000"/>
+              </a:lnSpc>
+              <a:spcBef>
+                <a:spcPts val="500"/>
+              </a:spcBef>
+              <a:buFont typeface="Arial" panose="020B0604020202020204" pitchFamily="34" charset="0"/>
+              <a:buChar char="•"/>
+              <a:defRPr sz="1800" kern="1200">
+                <a:solidFill>
+                  <a:schemeClr val="tx1"/>
+                </a:solidFill>
+                <a:latin typeface="+mn-lt"/>
+                <a:ea typeface="+mn-ea"/>
+                <a:cs typeface="+mn-cs"/>
+              </a:defRPr>
+            </a:lvl7pPr>
+            <a:lvl8pPr marL="3429000" indent="-228600" algn="l" defTabSz="914400" rtl="0" eaLnBrk="1" latinLnBrk="0" hangingPunct="1">
+              <a:lnSpc>
+                <a:spcPct val="90000"/>
+              </a:lnSpc>
+              <a:spcBef>
+                <a:spcPts val="500"/>
+              </a:spcBef>
+              <a:buFont typeface="Arial" panose="020B0604020202020204" pitchFamily="34" charset="0"/>
+              <a:buChar char="•"/>
+              <a:defRPr sz="1800" kern="1200">
+                <a:solidFill>
+                  <a:schemeClr val="tx1"/>
+                </a:solidFill>
+                <a:latin typeface="+mn-lt"/>
+                <a:ea typeface="+mn-ea"/>
+                <a:cs typeface="+mn-cs"/>
+              </a:defRPr>
+            </a:lvl8pPr>
+            <a:lvl9pPr marL="3886200" indent="-228600" algn="l" defTabSz="914400" rtl="0" eaLnBrk="1" latinLnBrk="0" hangingPunct="1">
+              <a:lnSpc>
+                <a:spcPct val="90000"/>
+              </a:lnSpc>
+              <a:spcBef>
+                <a:spcPts val="500"/>
+              </a:spcBef>
+              <a:buFont typeface="Arial" panose="020B0604020202020204" pitchFamily="34" charset="0"/>
+              <a:buChar char="•"/>
+              <a:defRPr sz="1800" kern="1200">
+                <a:solidFill>
+                  <a:schemeClr val="tx1"/>
+                </a:solidFill>
+                <a:latin typeface="+mn-lt"/>
+                <a:ea typeface="+mn-ea"/>
+                <a:cs typeface="+mn-cs"/>
+              </a:defRPr>
+            </a:lvl9pPr>
+          </a:lstStyle>
+          <a:p>
+            <a:endParaRPr lang="en-US" dirty="0"/>
+          </a:p>
+        </p:txBody>
+      </p:sp>
+      <p:pic>
+        <p:nvPicPr>
+          <p:cNvPr id="7" name="Picture 6"/>
+          <p:cNvPicPr>
+            <a:picLocks noChangeAspect="1"/>
+          </p:cNvPicPr>
+          <p:nvPr/>
+        </p:nvPicPr>
+        <p:blipFill>
+          <a:blip r:embed="rId2"/>
+          <a:stretch>
+            <a:fillRect/>
+          </a:stretch>
+        </p:blipFill>
+        <p:spPr>
+          <a:xfrm>
+            <a:off x="209024" y="1837189"/>
+            <a:ext cx="6762227" cy="4496499"/>
+          </a:xfrm>
+          <a:prstGeom prst="rect">
+            <a:avLst/>
+          </a:prstGeom>
+        </p:spPr>
+      </p:pic>
+      <p:sp>
+        <p:nvSpPr>
+          <p:cNvPr id="8" name="Content Placeholder 4"/>
+          <p:cNvSpPr txBox="1">
+            <a:spLocks/>
+          </p:cNvSpPr>
+          <p:nvPr/>
+        </p:nvSpPr>
+        <p:spPr>
+          <a:xfrm>
+            <a:off x="7197754" y="1712680"/>
+            <a:ext cx="4639112" cy="4822344"/>
+          </a:xfrm>
+          <a:prstGeom prst="rect">
+            <a:avLst/>
+          </a:prstGeom>
+        </p:spPr>
+        <p:txBody>
+          <a:bodyPr vert="horz" lIns="91440" tIns="45720" rIns="91440" bIns="45720" rtlCol="0">
+            <a:normAutofit/>
+          </a:bodyPr>
+          <a:lstStyle>
+            <a:lvl1pPr marL="228600" indent="-228600" algn="l" defTabSz="914400" rtl="0" eaLnBrk="1" latinLnBrk="0" hangingPunct="1">
+              <a:lnSpc>
+                <a:spcPct val="90000"/>
+              </a:lnSpc>
+              <a:spcBef>
+                <a:spcPts val="1000"/>
+              </a:spcBef>
+              <a:buFont typeface="Arial" panose="020B0604020202020204" pitchFamily="34" charset="0"/>
+              <a:buChar char="•"/>
+              <a:defRPr sz="2800" kern="1200">
+                <a:solidFill>
+                  <a:schemeClr val="tx1"/>
+                </a:solidFill>
+                <a:latin typeface="+mn-lt"/>
+                <a:ea typeface="+mn-ea"/>
+                <a:cs typeface="+mn-cs"/>
+              </a:defRPr>
+            </a:lvl1pPr>
+            <a:lvl2pPr marL="685800" indent="-228600" algn="l" defTabSz="914400" rtl="0" eaLnBrk="1" latinLnBrk="0" hangingPunct="1">
+              <a:lnSpc>
+                <a:spcPct val="90000"/>
+              </a:lnSpc>
+              <a:spcBef>
+                <a:spcPts val="500"/>
+              </a:spcBef>
+              <a:buFont typeface="Arial" panose="020B0604020202020204" pitchFamily="34" charset="0"/>
+              <a:buChar char="•"/>
+              <a:defRPr sz="2400" kern="1200">
+                <a:solidFill>
+                  <a:schemeClr val="tx1"/>
+                </a:solidFill>
+                <a:latin typeface="+mn-lt"/>
+                <a:ea typeface="+mn-ea"/>
+                <a:cs typeface="+mn-cs"/>
+              </a:defRPr>
+            </a:lvl2pPr>
+            <a:lvl3pPr marL="1143000" indent="-228600" algn="l" defTabSz="914400" rtl="0" eaLnBrk="1" latinLnBrk="0" hangingPunct="1">
+              <a:lnSpc>
+                <a:spcPct val="90000"/>
+              </a:lnSpc>
+              <a:spcBef>
+                <a:spcPts val="500"/>
+              </a:spcBef>
+              <a:buFont typeface="Arial" panose="020B0604020202020204" pitchFamily="34" charset="0"/>
+              <a:buChar char="•"/>
+              <a:defRPr sz="2000" kern="1200">
+                <a:solidFill>
+                  <a:schemeClr val="tx1"/>
+                </a:solidFill>
+                <a:latin typeface="+mn-lt"/>
+                <a:ea typeface="+mn-ea"/>
+                <a:cs typeface="+mn-cs"/>
+              </a:defRPr>
+            </a:lvl3pPr>
+            <a:lvl4pPr marL="1600200" indent="-228600" algn="l" defTabSz="914400" rtl="0" eaLnBrk="1" latinLnBrk="0" hangingPunct="1">
+              <a:lnSpc>
+                <a:spcPct val="90000"/>
+              </a:lnSpc>
+              <a:spcBef>
+                <a:spcPts val="500"/>
+              </a:spcBef>
+              <a:buFont typeface="Arial" panose="020B0604020202020204" pitchFamily="34" charset="0"/>
+              <a:buChar char="•"/>
+              <a:defRPr sz="1800" kern="1200">
+                <a:solidFill>
+                  <a:schemeClr val="tx1"/>
+                </a:solidFill>
+                <a:latin typeface="+mn-lt"/>
+                <a:ea typeface="+mn-ea"/>
+                <a:cs typeface="+mn-cs"/>
+              </a:defRPr>
+            </a:lvl4pPr>
+            <a:lvl5pPr marL="2057400" indent="-228600" algn="l" defTabSz="914400" rtl="0" eaLnBrk="1" latinLnBrk="0" hangingPunct="1">
+              <a:lnSpc>
+                <a:spcPct val="90000"/>
+              </a:lnSpc>
+              <a:spcBef>
+                <a:spcPts val="500"/>
+              </a:spcBef>
+              <a:buFont typeface="Arial" panose="020B0604020202020204" pitchFamily="34" charset="0"/>
+              <a:buChar char="•"/>
+              <a:defRPr sz="1800" kern="1200">
+                <a:solidFill>
+                  <a:schemeClr val="tx1"/>
+                </a:solidFill>
+                <a:latin typeface="+mn-lt"/>
+                <a:ea typeface="+mn-ea"/>
+                <a:cs typeface="+mn-cs"/>
+              </a:defRPr>
+            </a:lvl5pPr>
+            <a:lvl6pPr marL="2514600" indent="-228600" algn="l" defTabSz="914400" rtl="0" eaLnBrk="1" latinLnBrk="0" hangingPunct="1">
+              <a:lnSpc>
+                <a:spcPct val="90000"/>
+              </a:lnSpc>
+              <a:spcBef>
+                <a:spcPts val="500"/>
+              </a:spcBef>
+              <a:buFont typeface="Arial" panose="020B0604020202020204" pitchFamily="34" charset="0"/>
+              <a:buChar char="•"/>
+              <a:defRPr sz="1800" kern="1200">
+                <a:solidFill>
+                  <a:schemeClr val="tx1"/>
+                </a:solidFill>
+                <a:latin typeface="+mn-lt"/>
+                <a:ea typeface="+mn-ea"/>
+                <a:cs typeface="+mn-cs"/>
+              </a:defRPr>
+            </a:lvl6pPr>
+            <a:lvl7pPr marL="2971800" indent="-228600" algn="l" defTabSz="914400" rtl="0" eaLnBrk="1" latinLnBrk="0" hangingPunct="1">
+              <a:lnSpc>
+                <a:spcPct val="90000"/>
+              </a:lnSpc>
+              <a:spcBef>
+                <a:spcPts val="500"/>
+              </a:spcBef>
+              <a:buFont typeface="Arial" panose="020B0604020202020204" pitchFamily="34" charset="0"/>
+              <a:buChar char="•"/>
+              <a:defRPr sz="1800" kern="1200">
+                <a:solidFill>
+                  <a:schemeClr val="tx1"/>
+                </a:solidFill>
+                <a:latin typeface="+mn-lt"/>
+                <a:ea typeface="+mn-ea"/>
+                <a:cs typeface="+mn-cs"/>
+              </a:defRPr>
+            </a:lvl7pPr>
+            <a:lvl8pPr marL="3429000" indent="-228600" algn="l" defTabSz="914400" rtl="0" eaLnBrk="1" latinLnBrk="0" hangingPunct="1">
+              <a:lnSpc>
+                <a:spcPct val="90000"/>
+              </a:lnSpc>
+              <a:spcBef>
+                <a:spcPts val="500"/>
+              </a:spcBef>
+              <a:buFont typeface="Arial" panose="020B0604020202020204" pitchFamily="34" charset="0"/>
+              <a:buChar char="•"/>
+              <a:defRPr sz="1800" kern="1200">
+                <a:solidFill>
+                  <a:schemeClr val="tx1"/>
+                </a:solidFill>
+                <a:latin typeface="+mn-lt"/>
+                <a:ea typeface="+mn-ea"/>
+                <a:cs typeface="+mn-cs"/>
+              </a:defRPr>
+            </a:lvl8pPr>
+            <a:lvl9pPr marL="3886200" indent="-228600" algn="l" defTabSz="914400" rtl="0" eaLnBrk="1" latinLnBrk="0" hangingPunct="1">
+              <a:lnSpc>
+                <a:spcPct val="90000"/>
+              </a:lnSpc>
+              <a:spcBef>
+                <a:spcPts val="500"/>
+              </a:spcBef>
+              <a:buFont typeface="Arial" panose="020B0604020202020204" pitchFamily="34" charset="0"/>
+              <a:buChar char="•"/>
+              <a:defRPr sz="1800" kern="1200">
+                <a:solidFill>
+                  <a:schemeClr val="tx1"/>
+                </a:solidFill>
+                <a:latin typeface="+mn-lt"/>
+                <a:ea typeface="+mn-ea"/>
+                <a:cs typeface="+mn-cs"/>
+              </a:defRPr>
+            </a:lvl9pPr>
+          </a:lstStyle>
+          <a:p>
+            <a:endParaRPr lang="en-US" dirty="0"/>
+          </a:p>
+        </p:txBody>
+      </p:sp>
+      <p:sp>
+        <p:nvSpPr>
+          <p:cNvPr id="9" name="TextBox 8"/>
+          <p:cNvSpPr txBox="1"/>
+          <p:nvPr/>
+        </p:nvSpPr>
+        <p:spPr>
+          <a:xfrm>
+            <a:off x="7197754" y="1712680"/>
+            <a:ext cx="4639112" cy="3416320"/>
+          </a:xfrm>
+          <a:prstGeom prst="rect">
+            <a:avLst/>
+          </a:prstGeom>
+          <a:noFill/>
+        </p:spPr>
+        <p:txBody>
+          <a:bodyPr wrap="square" rtlCol="0">
+            <a:spAutoFit/>
+          </a:bodyPr>
+          <a:lstStyle/>
+          <a:p>
+            <a:r>
+              <a:rPr lang="en-US" dirty="0" smtClean="0"/>
+              <a:t>While using normal APIs : </a:t>
+            </a:r>
+            <a:br>
+              <a:rPr lang="en-US" dirty="0" smtClean="0"/>
+            </a:br>
+            <a:r>
+              <a:rPr lang="en-US" dirty="0" smtClean="0"/>
+              <a:t>we should have multiple end points with multiple verbs to query :</a:t>
+            </a:r>
+            <a:br>
+              <a:rPr lang="en-US" dirty="0" smtClean="0"/>
+            </a:br>
+            <a:r>
+              <a:rPr lang="en-US" dirty="0" smtClean="0"/>
+              <a:t>* All , </a:t>
+            </a:r>
+            <a:br>
+              <a:rPr lang="en-US" dirty="0" smtClean="0"/>
+            </a:br>
+            <a:r>
+              <a:rPr lang="en-US" dirty="0" smtClean="0"/>
+              <a:t>* One , </a:t>
+            </a:r>
+            <a:br>
+              <a:rPr lang="en-US" dirty="0" smtClean="0"/>
+            </a:br>
+            <a:r>
+              <a:rPr lang="en-US" dirty="0" smtClean="0"/>
+              <a:t>* one with some relations ,  </a:t>
+            </a:r>
+            <a:br>
+              <a:rPr lang="en-US" dirty="0" smtClean="0"/>
+            </a:br>
+            <a:r>
+              <a:rPr lang="en-US" dirty="0" smtClean="0"/>
+              <a:t>* some with sorting / ordering / pagination .</a:t>
+            </a:r>
+            <a:br>
+              <a:rPr lang="en-US" dirty="0" smtClean="0"/>
+            </a:br>
+            <a:r>
+              <a:rPr lang="en-US" dirty="0" smtClean="0"/>
+              <a:t>* you will never be able to get only the data that you need </a:t>
+            </a:r>
+          </a:p>
+          <a:p>
+            <a:pPr marL="285750" indent="-285750">
+              <a:buFontTx/>
+              <a:buChar char="-"/>
+            </a:pPr>
+            <a:r>
+              <a:rPr lang="en-US" dirty="0" smtClean="0"/>
+              <a:t>With Graph QL </a:t>
+            </a:r>
+          </a:p>
+          <a:p>
+            <a:pPr marL="285750" indent="-285750">
+              <a:buFontTx/>
+              <a:buChar char="-"/>
+            </a:pPr>
+            <a:r>
+              <a:rPr lang="en-US" dirty="0" smtClean="0"/>
+              <a:t>We can get one end point for all the above !</a:t>
+            </a:r>
+          </a:p>
+          <a:p>
+            <a:pPr marL="285750" indent="-285750">
+              <a:buFontTx/>
+              <a:buChar char="-"/>
+            </a:pPr>
+            <a:r>
+              <a:rPr lang="en-US" dirty="0" smtClean="0"/>
+              <a:t>And with extra powerful queries </a:t>
+            </a:r>
+            <a:endParaRPr lang="en-US" dirty="0"/>
+          </a:p>
+        </p:txBody>
+      </p:sp>
+    </p:spTree>
+    <p:extLst>
+      <p:ext uri="{BB962C8B-B14F-4D97-AF65-F5344CB8AC3E}">
+        <p14:creationId xmlns:p14="http://schemas.microsoft.com/office/powerpoint/2010/main" val="118320854"/>
+      </p:ext>
+    </p:extLst>
+  </p:cSld>
+  <p:clrMapOvr>
+    <a:masterClrMapping/>
+  </p:clrMapOvr>
+</p:sld>
+</file>
+
+<file path=ppt/slides/slide4.xml><?xml version="1.0" encoding="utf-8"?>
+<p:sld xmlns:a="http://schemas.openxmlformats.org/drawingml/2006/main" xmlns:r="http://schemas.openxmlformats.org/officeDocument/2006/relationships" xmlns:p="http://schemas.openxmlformats.org/presentationml/2006/main">
+  <p:cSld>
+    <p:spTree>
+      <p:nvGrpSpPr>
+        <p:cNvPr id="1" name=""/>
+        <p:cNvGrpSpPr/>
+        <p:nvPr/>
+      </p:nvGrpSpPr>
+      <p:grpSpPr>
+        <a:xfrm>
+          <a:off x="0" y="0"/>
+          <a:ext cx="0" cy="0"/>
+          <a:chOff x="0" y="0"/>
+          <a:chExt cx="0" cy="0"/>
+        </a:xfrm>
+      </p:grpSpPr>
+      <p:sp>
+        <p:nvSpPr>
+          <p:cNvPr id="2" name="Title 1"/>
+          <p:cNvSpPr>
+            <a:spLocks noGrp="1"/>
+          </p:cNvSpPr>
+          <p:nvPr>
+            <p:ph type="title"/>
+          </p:nvPr>
+        </p:nvSpPr>
+        <p:spPr/>
+        <p:txBody>
+          <a:bodyPr/>
+          <a:lstStyle/>
+          <a:p>
+            <a:r>
+              <a:rPr lang="en-US" dirty="0" smtClean="0"/>
+              <a:t>API Example for books sales web site :</a:t>
+            </a:r>
+            <a:endParaRPr lang="en-US" dirty="0"/>
+          </a:p>
+        </p:txBody>
+      </p:sp>
+      <p:sp>
+        <p:nvSpPr>
+          <p:cNvPr id="3" name="Content Placeholder 2"/>
+          <p:cNvSpPr>
+            <a:spLocks noGrp="1"/>
+          </p:cNvSpPr>
+          <p:nvPr>
+            <p:ph idx="1"/>
+          </p:nvPr>
+        </p:nvSpPr>
+        <p:spPr>
+          <a:xfrm>
+            <a:off x="167081" y="1456509"/>
+            <a:ext cx="3742189" cy="4351338"/>
+          </a:xfrm>
+        </p:spPr>
+        <p:txBody>
+          <a:bodyPr/>
+          <a:lstStyle/>
+          <a:p>
+            <a:r>
+              <a:rPr lang="en-US" dirty="0" smtClean="0"/>
+              <a:t>In REST : </a:t>
+            </a:r>
+            <a:br>
+              <a:rPr lang="en-US" dirty="0" smtClean="0"/>
+            </a:br>
+            <a:endParaRPr lang="en-US" dirty="0"/>
+          </a:p>
+        </p:txBody>
+      </p:sp>
+      <p:pic>
+        <p:nvPicPr>
+          <p:cNvPr id="4" name="Picture 3"/>
+          <p:cNvPicPr>
+            <a:picLocks noChangeAspect="1"/>
+          </p:cNvPicPr>
+          <p:nvPr/>
+        </p:nvPicPr>
+        <p:blipFill>
+          <a:blip r:embed="rId2"/>
+          <a:stretch>
+            <a:fillRect/>
+          </a:stretch>
+        </p:blipFill>
+        <p:spPr>
+          <a:xfrm>
+            <a:off x="27727" y="2021747"/>
+            <a:ext cx="6003957" cy="4593809"/>
+          </a:xfrm>
+          <a:prstGeom prst="rect">
+            <a:avLst/>
+          </a:prstGeom>
+        </p:spPr>
+      </p:pic>
+      <p:sp>
+        <p:nvSpPr>
+          <p:cNvPr id="5" name="TextBox 4"/>
+          <p:cNvSpPr txBox="1"/>
+          <p:nvPr/>
+        </p:nvSpPr>
+        <p:spPr>
+          <a:xfrm>
+            <a:off x="6096000" y="1271952"/>
+            <a:ext cx="6724956" cy="1077218"/>
+          </a:xfrm>
+          <a:prstGeom prst="rect">
+            <a:avLst/>
+          </a:prstGeom>
+          <a:noFill/>
+        </p:spPr>
+        <p:txBody>
+          <a:bodyPr wrap="square" rtlCol="0">
+            <a:spAutoFit/>
+          </a:bodyPr>
+          <a:lstStyle/>
+          <a:p>
+            <a:r>
+              <a:rPr lang="en-US" dirty="0" smtClean="0"/>
+              <a:t>* </a:t>
+            </a:r>
+            <a:r>
+              <a:rPr lang="en-US" sz="2800" dirty="0" smtClean="0"/>
+              <a:t>In GRAPHQL it’s just one call :</a:t>
+            </a:r>
+            <a:br>
+              <a:rPr lang="en-US" sz="2800" dirty="0" smtClean="0"/>
+            </a:br>
+            <a:r>
+              <a:rPr lang="en-US" dirty="0" smtClean="0"/>
+              <a:t> </a:t>
+            </a:r>
+            <a:r>
+              <a:rPr lang="en-US" sz="1600" dirty="0" smtClean="0"/>
+              <a:t>Even if the inventory is on other system or other micro service ! WOW .</a:t>
+            </a:r>
+            <a:r>
+              <a:rPr lang="en-US" dirty="0" smtClean="0"/>
+              <a:t/>
+            </a:r>
+            <a:br>
+              <a:rPr lang="en-US" dirty="0" smtClean="0"/>
+            </a:br>
+            <a:endParaRPr lang="en-US" dirty="0"/>
+          </a:p>
+        </p:txBody>
+      </p:sp>
+      <p:pic>
+        <p:nvPicPr>
+          <p:cNvPr id="6" name="Picture 5"/>
+          <p:cNvPicPr>
+            <a:picLocks noChangeAspect="1"/>
+          </p:cNvPicPr>
+          <p:nvPr/>
+        </p:nvPicPr>
+        <p:blipFill>
+          <a:blip r:embed="rId3"/>
+          <a:stretch>
+            <a:fillRect/>
+          </a:stretch>
+        </p:blipFill>
+        <p:spPr>
+          <a:xfrm>
+            <a:off x="6241409" y="2114026"/>
+            <a:ext cx="5488517" cy="4501530"/>
+          </a:xfrm>
+          <a:prstGeom prst="rect">
+            <a:avLst/>
+          </a:prstGeom>
+        </p:spPr>
+      </p:pic>
+    </p:spTree>
+    <p:extLst>
+      <p:ext uri="{BB962C8B-B14F-4D97-AF65-F5344CB8AC3E}">
+        <p14:creationId xmlns:p14="http://schemas.microsoft.com/office/powerpoint/2010/main" val="2624512268"/>
+      </p:ext>
+    </p:extLst>
+  </p:cSld>
+  <p:clrMapOvr>
+    <a:masterClrMapping/>
+  </p:clrMapOvr>
+</p:sld>
+</file>
+
+<file path=ppt/slides/slide5.xml><?xml version="1.0" encoding="utf-8"?>
+<p:sld xmlns:a="http://schemas.openxmlformats.org/drawingml/2006/main" xmlns:r="http://schemas.openxmlformats.org/officeDocument/2006/relationships" xmlns:p="http://schemas.openxmlformats.org/presentationml/2006/main">
+  <p:cSld>
+    <p:spTree>
+      <p:nvGrpSpPr>
+        <p:cNvPr id="1" name=""/>
+        <p:cNvGrpSpPr/>
+        <p:nvPr/>
+      </p:nvGrpSpPr>
+      <p:grpSpPr>
+        <a:xfrm>
+          <a:off x="0" y="0"/>
+          <a:ext cx="0" cy="0"/>
+          <a:chOff x="0" y="0"/>
+          <a:chExt cx="0" cy="0"/>
+        </a:xfrm>
+      </p:grpSpPr>
+      <p:sp>
+        <p:nvSpPr>
+          <p:cNvPr id="2" name="Title 1"/>
+          <p:cNvSpPr>
+            <a:spLocks noGrp="1"/>
+          </p:cNvSpPr>
+          <p:nvPr>
+            <p:ph type="title"/>
+          </p:nvPr>
+        </p:nvSpPr>
+        <p:spPr/>
+        <p:txBody>
+          <a:bodyPr/>
+          <a:lstStyle/>
+          <a:p>
+            <a:r>
               <a:rPr lang="en-US" b="1" dirty="0"/>
               <a:t>Advantages and disadvantages of </a:t>
             </a:r>
@@ -9882,7 +10758,7 @@
 </p:sld>
 </file>
 
-<file path=ppt/slides/slide4.xml><?xml version="1.0" encoding="utf-8"?>
+<file path=ppt/slides/slide6.xml><?xml version="1.0" encoding="utf-8"?>
 <p:sld xmlns:a="http://schemas.openxmlformats.org/drawingml/2006/main" xmlns:r="http://schemas.openxmlformats.org/officeDocument/2006/relationships" xmlns:p="http://schemas.openxmlformats.org/presentationml/2006/main">
   <p:cSld>
     <p:spTree>
@@ -10141,7 +11017,7 @@
 </p:sld>
 </file>
 
-<file path=ppt/slides/slide5.xml><?xml version="1.0" encoding="utf-8"?>
+<file path=ppt/slides/slide7.xml><?xml version="1.0" encoding="utf-8"?>
 <p:sld xmlns:a="http://schemas.openxmlformats.org/drawingml/2006/main" xmlns:r="http://schemas.openxmlformats.org/officeDocument/2006/relationships" xmlns:p="http://schemas.openxmlformats.org/presentationml/2006/main">
   <p:cSld>
     <p:spTree>
@@ -10195,7 +11071,7 @@
 </p:sld>
 </file>
 
-<file path=ppt/slides/slide6.xml><?xml version="1.0" encoding="utf-8"?>
+<file path=ppt/slides/slide8.xml><?xml version="1.0" encoding="utf-8"?>
 <p:sld xmlns:a="http://schemas.openxmlformats.org/drawingml/2006/main" xmlns:r="http://schemas.openxmlformats.org/officeDocument/2006/relationships" xmlns:p="http://schemas.openxmlformats.org/presentationml/2006/main">
   <p:cSld>
     <p:spTree>
@@ -10249,7 +11125,7 @@
 </p:sld>
 </file>
 
-<file path=ppt/slides/slide7.xml><?xml version="1.0" encoding="utf-8"?>
+<file path=ppt/slides/slide9.xml><?xml version="1.0" encoding="utf-8"?>
 <p:sld xmlns:a="http://schemas.openxmlformats.org/drawingml/2006/main" xmlns:r="http://schemas.openxmlformats.org/officeDocument/2006/relationships" xmlns:p="http://schemas.openxmlformats.org/presentationml/2006/main">
   <p:cSld>
     <p:spTree>
@@ -10294,114 +11170,6 @@
     <p:extLst>
       <p:ext uri="{BB962C8B-B14F-4D97-AF65-F5344CB8AC3E}">
         <p14:creationId xmlns:p14="http://schemas.microsoft.com/office/powerpoint/2010/main" val="141944593"/>
-      </p:ext>
-    </p:extLst>
-  </p:cSld>
-  <p:clrMapOvr>
-    <a:masterClrMapping/>
-  </p:clrMapOvr>
-</p:sld>
-</file>
-
-<file path=ppt/slides/slide8.xml><?xml version="1.0" encoding="utf-8"?>
-<p:sld xmlns:a="http://schemas.openxmlformats.org/drawingml/2006/main" xmlns:r="http://schemas.openxmlformats.org/officeDocument/2006/relationships" xmlns:p="http://schemas.openxmlformats.org/presentationml/2006/main">
-  <p:cSld>
-    <p:spTree>
-      <p:nvGrpSpPr>
-        <p:cNvPr id="1" name=""/>
-        <p:cNvGrpSpPr/>
-        <p:nvPr/>
-      </p:nvGrpSpPr>
-      <p:grpSpPr>
-        <a:xfrm>
-          <a:off x="0" y="0"/>
-          <a:ext cx="9753600" cy="5486400"/>
-          <a:chOff x="0" y="0"/>
-          <a:chExt cx="9753600" cy="5486400"/>
-        </a:xfrm>
-      </p:grpSpPr>
-      <p:pic>
-        <p:nvPicPr>
-          <p:cNvPr id="2" name="Picture 1"/>
-          <p:cNvPicPr>
-            <a:picLocks noChangeAspect="1"/>
-          </p:cNvPicPr>
-          <p:nvPr/>
-        </p:nvPicPr>
-        <p:blipFill>
-          <a:blip r:embed="rId2"/>
-          <a:stretch>
-            <a:fillRect/>
-          </a:stretch>
-        </p:blipFill>
-        <p:spPr>
-          <a:xfrm>
-            <a:off x="0" y="0"/>
-            <a:ext cx="12192000" cy="6858000"/>
-          </a:xfrm>
-          <a:prstGeom prst="rect">
-            <a:avLst/>
-          </a:prstGeom>
-        </p:spPr>
-      </p:pic>
-    </p:spTree>
-    <p:extLst>
-      <p:ext uri="{BB962C8B-B14F-4D97-AF65-F5344CB8AC3E}">
-        <p14:creationId xmlns:p14="http://schemas.microsoft.com/office/powerpoint/2010/main" val="3656498733"/>
-      </p:ext>
-    </p:extLst>
-  </p:cSld>
-  <p:clrMapOvr>
-    <a:masterClrMapping/>
-  </p:clrMapOvr>
-</p:sld>
-</file>
-
-<file path=ppt/slides/slide9.xml><?xml version="1.0" encoding="utf-8"?>
-<p:sld xmlns:a="http://schemas.openxmlformats.org/drawingml/2006/main" xmlns:r="http://schemas.openxmlformats.org/officeDocument/2006/relationships" xmlns:p="http://schemas.openxmlformats.org/presentationml/2006/main">
-  <p:cSld>
-    <p:spTree>
-      <p:nvGrpSpPr>
-        <p:cNvPr id="1" name=""/>
-        <p:cNvGrpSpPr/>
-        <p:nvPr/>
-      </p:nvGrpSpPr>
-      <p:grpSpPr>
-        <a:xfrm>
-          <a:off x="0" y="0"/>
-          <a:ext cx="9753600" cy="5486400"/>
-          <a:chOff x="0" y="0"/>
-          <a:chExt cx="9753600" cy="5486400"/>
-        </a:xfrm>
-      </p:grpSpPr>
-      <p:pic>
-        <p:nvPicPr>
-          <p:cNvPr id="2" name="Picture 1"/>
-          <p:cNvPicPr>
-            <a:picLocks noChangeAspect="1"/>
-          </p:cNvPicPr>
-          <p:nvPr/>
-        </p:nvPicPr>
-        <p:blipFill>
-          <a:blip r:embed="rId2"/>
-          <a:stretch>
-            <a:fillRect/>
-          </a:stretch>
-        </p:blipFill>
-        <p:spPr>
-          <a:xfrm>
-            <a:off x="0" y="0"/>
-            <a:ext cx="12192000" cy="6858000"/>
-          </a:xfrm>
-          <a:prstGeom prst="rect">
-            <a:avLst/>
-          </a:prstGeom>
-        </p:spPr>
-      </p:pic>
-    </p:spTree>
-    <p:extLst>
-      <p:ext uri="{BB962C8B-B14F-4D97-AF65-F5344CB8AC3E}">
-        <p14:creationId xmlns:p14="http://schemas.microsoft.com/office/powerpoint/2010/main" val="3701316291"/>
       </p:ext>
     </p:extLst>
   </p:cSld>
